--- a/基础PPT/JavaSE进阶第三版/第5章：Java集合操作.pptx
+++ b/基础PPT/JavaSE进阶第三版/第5章：Java集合操作.pptx
@@ -12,9 +12,9 @@
     <p:sldId id="795" r:id="rId4"/>
     <p:sldId id="862" r:id="rId6"/>
     <p:sldId id="916" r:id="rId7"/>
-    <p:sldId id="678" r:id="rId8"/>
-    <p:sldId id="863" r:id="rId9"/>
-    <p:sldId id="864" r:id="rId10"/>
+    <p:sldId id="863" r:id="rId8"/>
+    <p:sldId id="998" r:id="rId9"/>
+    <p:sldId id="999" r:id="rId10"/>
     <p:sldId id="840" r:id="rId11"/>
     <p:sldId id="844" r:id="rId12"/>
     <p:sldId id="918" r:id="rId13"/>
@@ -687,6 +687,50 @@
 </file>
 
 <file path=ppt/notesSlides/notesSlide5.xml><?xml version="1.0" encoding="utf-8"?>
+<p:notes xmlns:a="http://schemas.openxmlformats.org/drawingml/2006/main" xmlns:r="http://schemas.openxmlformats.org/officeDocument/2006/relationships" xmlns:p="http://schemas.openxmlformats.org/presentationml/2006/main">
+  <p:cSld>
+    <p:spTree>
+      <p:nvGrpSpPr>
+        <p:cNvPr id="1" name=""/>
+        <p:cNvGrpSpPr/>
+        <p:nvPr/>
+      </p:nvGrpSpPr>
+      <p:grpSpPr/>
+      <p:sp>
+        <p:nvSpPr>
+          <p:cNvPr id="2" name="幻灯片图像占位符 1"/>
+          <p:cNvSpPr/>
+          <p:nvPr>
+            <p:ph type="sldImg" idx="2"/>
+          </p:nvPr>
+        </p:nvSpPr>
+        <p:spPr/>
+      </p:sp>
+      <p:sp>
+        <p:nvSpPr>
+          <p:cNvPr id="3" name="文本占位符 2"/>
+          <p:cNvSpPr/>
+          <p:nvPr>
+            <p:ph type="body" idx="3"/>
+          </p:nvPr>
+        </p:nvSpPr>
+        <p:spPr/>
+        <p:txBody>
+          <a:bodyPr/>
+          <a:p>
+            <a:endParaRPr lang="zh-CN" altLang="en-US"/>
+          </a:p>
+        </p:txBody>
+      </p:sp>
+    </p:spTree>
+  </p:cSld>
+  <p:clrMapOvr>
+    <a:masterClrMapping/>
+  </p:clrMapOvr>
+</p:notes>
+</file>
+
+<file path=ppt/notesSlides/notesSlide6.xml><?xml version="1.0" encoding="utf-8"?>
 <p:notes xmlns:a="http://schemas.openxmlformats.org/drawingml/2006/main" xmlns:r="http://schemas.openxmlformats.org/officeDocument/2006/relationships" xmlns:p="http://schemas.openxmlformats.org/presentationml/2006/main">
   <p:cSld>
     <p:spTree>
@@ -7657,7 +7701,7 @@
                 <a:cs typeface="宋体" panose="02010600030101010101" pitchFamily="2" charset="-122"/>
                 <a:sym typeface="+mn-ea"/>
               </a:rPr>
-              <a:t>ArrayList是非线程安全的，底层是基于数组实现</a:t>
+              <a:t>ArrayList是非线程安全的，底层是基于变长数组实现</a:t>
             </a:r>
             <a:endParaRPr lang="zh-CN" altLang="en-US" sz="1600">
               <a:solidFill>
@@ -7923,7 +7967,19 @@
                 <a:cs typeface="宋体" panose="02010600030101010101" pitchFamily="2" charset="-122"/>
                 <a:sym typeface="+mn-ea"/>
               </a:rPr>
-              <a:t>    允许重复的元素</a:t>
+              <a:t>    </a:t>
+            </a:r>
+            <a:r>
+              <a:rPr lang="zh-CN" altLang="en-US" sz="1600" b="1">
+                <a:solidFill>
+                  <a:srgbClr val="FF0000"/>
+                </a:solidFill>
+                <a:latin typeface="宋体" panose="02010600030101010101" pitchFamily="2" charset="-122"/>
+                <a:ea typeface="宋体" panose="02010600030101010101" pitchFamily="2" charset="-122"/>
+                <a:cs typeface="宋体" panose="02010600030101010101" pitchFamily="2" charset="-122"/>
+                <a:sym typeface="+mn-ea"/>
+              </a:rPr>
+              <a:t>允许重复的元素</a:t>
             </a:r>
             <a:endParaRPr lang="zh-CN" altLang="en-US" sz="1600">
               <a:latin typeface="宋体" panose="02010600030101010101" pitchFamily="2" charset="-122"/>
@@ -7939,7 +7995,28 @@
                 <a:cs typeface="宋体" panose="02010600030101010101" pitchFamily="2" charset="-122"/>
                 <a:sym typeface="+mn-ea"/>
               </a:rPr>
-              <a:t>    允许null值。至少ArrayList和LinkedList都允许有null值，并且null也是可以重复的，添加多个null，list的长度也会增加</a:t>
+              <a:t>    </a:t>
+            </a:r>
+            <a:r>
+              <a:rPr lang="zh-CN" altLang="en-US" sz="1600" b="1">
+                <a:solidFill>
+                  <a:srgbClr val="FF0000"/>
+                </a:solidFill>
+                <a:latin typeface="宋体" panose="02010600030101010101" pitchFamily="2" charset="-122"/>
+                <a:ea typeface="宋体" panose="02010600030101010101" pitchFamily="2" charset="-122"/>
+                <a:cs typeface="宋体" panose="02010600030101010101" pitchFamily="2" charset="-122"/>
+                <a:sym typeface="+mn-ea"/>
+              </a:rPr>
+              <a:t>允许null值</a:t>
+            </a:r>
+            <a:r>
+              <a:rPr lang="zh-CN" altLang="en-US" sz="1600">
+                <a:latin typeface="宋体" panose="02010600030101010101" pitchFamily="2" charset="-122"/>
+                <a:ea typeface="宋体" panose="02010600030101010101" pitchFamily="2" charset="-122"/>
+                <a:cs typeface="宋体" panose="02010600030101010101" pitchFamily="2" charset="-122"/>
+                <a:sym typeface="+mn-ea"/>
+              </a:rPr>
+              <a:t>。至少ArrayList和LinkedList都允许有null值，并且null也是可以重复的，添加多个null，list的长度也会增加</a:t>
             </a:r>
             <a:endParaRPr lang="zh-CN" altLang="en-US" sz="1600">
               <a:latin typeface="宋体" panose="02010600030101010101" pitchFamily="2" charset="-122"/>
@@ -8021,7 +8098,7 @@
         <p:spPr>
           <a:xfrm>
             <a:off x="1198880" y="4640580"/>
-            <a:ext cx="9512300" cy="1670050"/>
+            <a:ext cx="9512300" cy="1869440"/>
           </a:xfrm>
           <a:prstGeom prst="rect">
             <a:avLst/>
@@ -11704,7 +11781,7 @@
         </p:nvSpPr>
         <p:spPr>
           <a:xfrm>
-            <a:off x="4707890" y="1562735"/>
+            <a:off x="4676140" y="1241425"/>
             <a:ext cx="452120" cy="558165"/>
           </a:xfrm>
           <a:prstGeom prst="mathPlus">
@@ -12278,6 +12355,58 @@
                 <a:srgbClr val="FF0000"/>
               </a:solidFill>
               <a:effectLst/>
+            </a:endParaRPr>
+          </a:p>
+        </p:txBody>
+      </p:sp>
+      <p:sp>
+        <p:nvSpPr>
+          <p:cNvPr id="2" name="文本框 1"/>
+          <p:cNvSpPr txBox="1"/>
+          <p:nvPr/>
+        </p:nvSpPr>
+        <p:spPr>
+          <a:xfrm>
+            <a:off x="9081135" y="5897880"/>
+            <a:ext cx="2218690" cy="645160"/>
+          </a:xfrm>
+          <a:prstGeom prst="rect">
+            <a:avLst/>
+          </a:prstGeom>
+          <a:noFill/>
+        </p:spPr>
+        <p:txBody>
+          <a:bodyPr wrap="square" rtlCol="0">
+            <a:spAutoFit/>
+          </a:bodyPr>
+          <a:p>
+            <a:r>
+              <a:rPr lang="zh-CN" altLang="en-US" b="1">
+                <a:solidFill>
+                  <a:srgbClr val="FF0000"/>
+                </a:solidFill>
+              </a:rPr>
+              <a:t>随机访问快</a:t>
+            </a:r>
+            <a:endParaRPr lang="zh-CN" altLang="en-US" b="1">
+              <a:solidFill>
+                <a:srgbClr val="FF0000"/>
+              </a:solidFill>
+            </a:endParaRPr>
+          </a:p>
+          <a:p>
+            <a:r>
+              <a:rPr lang="zh-CN" altLang="en-US" b="1">
+                <a:solidFill>
+                  <a:srgbClr val="FF0000"/>
+                </a:solidFill>
+              </a:rPr>
+              <a:t>添加、删除元素慢</a:t>
+            </a:r>
+            <a:endParaRPr lang="zh-CN" altLang="en-US" b="1">
+              <a:solidFill>
+                <a:srgbClr val="FF0000"/>
+              </a:solidFill>
             </a:endParaRPr>
           </a:p>
         </p:txBody>
@@ -15189,6 +15318,58 @@
             <a:endParaRPr lang="zh-CN" altLang="en-US" b="1">
               <a:solidFill>
                 <a:schemeClr val="accent1"/>
+              </a:solidFill>
+            </a:endParaRPr>
+          </a:p>
+        </p:txBody>
+      </p:sp>
+      <p:sp>
+        <p:nvSpPr>
+          <p:cNvPr id="3" name="文本框 2"/>
+          <p:cNvSpPr txBox="1"/>
+          <p:nvPr/>
+        </p:nvSpPr>
+        <p:spPr>
+          <a:xfrm>
+            <a:off x="9081135" y="5897880"/>
+            <a:ext cx="2218690" cy="645160"/>
+          </a:xfrm>
+          <a:prstGeom prst="rect">
+            <a:avLst/>
+          </a:prstGeom>
+          <a:noFill/>
+        </p:spPr>
+        <p:txBody>
+          <a:bodyPr wrap="square" rtlCol="0">
+            <a:spAutoFit/>
+          </a:bodyPr>
+          <a:p>
+            <a:r>
+              <a:rPr lang="zh-CN" altLang="en-US" b="1">
+                <a:solidFill>
+                  <a:srgbClr val="FF0000"/>
+                </a:solidFill>
+              </a:rPr>
+              <a:t>随机访问慢</a:t>
+            </a:r>
+            <a:endParaRPr lang="zh-CN" altLang="en-US" b="1">
+              <a:solidFill>
+                <a:srgbClr val="FF0000"/>
+              </a:solidFill>
+            </a:endParaRPr>
+          </a:p>
+          <a:p>
+            <a:r>
+              <a:rPr lang="zh-CN" altLang="en-US" b="1">
+                <a:solidFill>
+                  <a:srgbClr val="FF0000"/>
+                </a:solidFill>
+              </a:rPr>
+              <a:t>添加、删除元素快</a:t>
+            </a:r>
+            <a:endParaRPr lang="zh-CN" altLang="en-US" b="1">
+              <a:solidFill>
+                <a:srgbClr val="FF0000"/>
               </a:solidFill>
             </a:endParaRPr>
           </a:p>
@@ -18569,9 +18750,57 @@
           </a:p>
         </p:txBody>
       </p:sp>
+      <p:pic>
+        <p:nvPicPr>
+          <p:cNvPr id="7" name="图片 6"/>
+          <p:cNvPicPr>
+            <a:picLocks noChangeAspect="1"/>
+          </p:cNvPicPr>
+          <p:nvPr/>
+        </p:nvPicPr>
+        <p:blipFill>
+          <a:blip r:embed="rId7"/>
+          <a:stretch>
+            <a:fillRect/>
+          </a:stretch>
+        </p:blipFill>
+        <p:spPr>
+          <a:xfrm>
+            <a:off x="5906770" y="5755640"/>
+            <a:ext cx="4189095" cy="961390"/>
+          </a:xfrm>
+          <a:prstGeom prst="rect">
+            <a:avLst/>
+          </a:prstGeom>
+        </p:spPr>
+      </p:pic>
+      <p:pic>
+        <p:nvPicPr>
+          <p:cNvPr id="9" name="图片 8"/>
+          <p:cNvPicPr>
+            <a:picLocks noChangeAspect="1"/>
+          </p:cNvPicPr>
+          <p:nvPr/>
+        </p:nvPicPr>
+        <p:blipFill>
+          <a:blip r:embed="rId8"/>
+          <a:stretch>
+            <a:fillRect/>
+          </a:stretch>
+        </p:blipFill>
+        <p:spPr>
+          <a:xfrm>
+            <a:off x="7676515" y="5502910"/>
+            <a:ext cx="3446145" cy="729615"/>
+          </a:xfrm>
+          <a:prstGeom prst="rect">
+            <a:avLst/>
+          </a:prstGeom>
+        </p:spPr>
+      </p:pic>
     </p:spTree>
     <p:custDataLst>
-      <p:tags r:id="rId7"/>
+      <p:tags r:id="rId9"/>
     </p:custDataLst>
   </p:cSld>
   <p:clrMapOvr>
@@ -22272,8 +22501,8 @@
         </p:nvSpPr>
         <p:spPr>
           <a:xfrm>
-            <a:off x="8519160" y="5361305"/>
-            <a:ext cx="2996565" cy="456565"/>
+            <a:off x="9074785" y="5524500"/>
+            <a:ext cx="2550795" cy="756920"/>
           </a:xfrm>
           <a:prstGeom prst="rect">
             <a:avLst/>
@@ -22317,7 +22546,11 @@
             </a:r>
             <a:r>
               <a:rPr lang="en-US" altLang="zh-CN"/>
-              <a:t>LinkedList</a:t>
+              <a:t>LinkedList </a:t>
+            </a:r>
+            <a:r>
+              <a:rPr lang="zh-CN" altLang="en-US"/>
+              <a:t>添加、删除性能</a:t>
             </a:r>
             <a:r>
               <a:rPr lang="zh-CN"/>
@@ -23431,8 +23664,8 @@
         </p:nvSpPr>
         <p:spPr>
           <a:xfrm>
-            <a:off x="6855460" y="6326505"/>
-            <a:ext cx="2431415" cy="456565"/>
+            <a:off x="6855460" y="5989320"/>
+            <a:ext cx="3086735" cy="793750"/>
           </a:xfrm>
           <a:prstGeom prst="rect">
             <a:avLst/>
@@ -23467,8 +23700,34 @@
           <a:p>
             <a:pPr algn="ctr"/>
             <a:r>
-              <a:rPr lang="zh-CN"/>
-              <a:t>性能比较</a:t>
+              <a:rPr lang="en-US" altLang="zh-CN">
+                <a:sym typeface="+mn-ea"/>
+              </a:rPr>
+              <a:t>ArrayList</a:t>
+            </a:r>
+            <a:r>
+              <a:rPr lang="zh-CN" altLang="en-US">
+                <a:sym typeface="+mn-ea"/>
+              </a:rPr>
+              <a:t>、</a:t>
+            </a:r>
+            <a:r>
+              <a:rPr lang="en-US" altLang="zh-CN">
+                <a:sym typeface="+mn-ea"/>
+              </a:rPr>
+              <a:t>LinkedList </a:t>
+            </a:r>
+            <a:r>
+              <a:rPr lang="zh-CN" altLang="en-US">
+                <a:sym typeface="+mn-ea"/>
+              </a:rPr>
+              <a:t>随机访问、遍历性能</a:t>
+            </a:r>
+            <a:r>
+              <a:rPr lang="zh-CN">
+                <a:sym typeface="+mn-ea"/>
+              </a:rPr>
+              <a:t>对比</a:t>
             </a:r>
             <a:endParaRPr lang="zh-CN"/>
           </a:p>
@@ -33608,6 +33867,84 @@
               <a:t>自定义顺序</a:t>
             </a:r>
             <a:endParaRPr lang="zh-CN" altLang="en-US"/>
+          </a:p>
+        </p:txBody>
+      </p:sp>
+      <p:sp>
+        <p:nvSpPr>
+          <p:cNvPr id="5" name="云形标注 4"/>
+          <p:cNvSpPr/>
+          <p:nvPr/>
+        </p:nvSpPr>
+        <p:spPr>
+          <a:xfrm>
+            <a:off x="9434830" y="1943735"/>
+            <a:ext cx="2258695" cy="1302385"/>
+          </a:xfrm>
+          <a:prstGeom prst="cloudCallout">
+            <a:avLst>
+              <a:gd name="adj1" fmla="val -77298"/>
+              <a:gd name="adj2" fmla="val 47025"/>
+            </a:avLst>
+          </a:prstGeom>
+          <a:solidFill>
+            <a:srgbClr val="DBEEDF"/>
+          </a:solidFill>
+          <a:ln>
+            <a:solidFill>
+              <a:srgbClr val="DBEEDF"/>
+            </a:solidFill>
+          </a:ln>
+        </p:spPr>
+        <p:style>
+          <a:lnRef idx="2">
+            <a:schemeClr val="accent1">
+              <a:shade val="50000"/>
+            </a:schemeClr>
+          </a:lnRef>
+          <a:fillRef idx="1">
+            <a:schemeClr val="accent1"/>
+          </a:fillRef>
+          <a:effectRef idx="0">
+            <a:schemeClr val="accent1"/>
+          </a:effectRef>
+          <a:fontRef idx="minor">
+            <a:schemeClr val="lt1"/>
+          </a:fontRef>
+        </p:style>
+        <p:txBody>
+          <a:bodyPr rtlCol="0" anchor="ctr"/>
+          <a:p>
+            <a:pPr algn="ctr"/>
+            <a:r>
+              <a:rPr lang="zh-CN" altLang="en-US">
+                <a:solidFill>
+                  <a:srgbClr val="F7AF3F"/>
+                </a:solidFill>
+              </a:rPr>
+              <a:t>能力拓展</a:t>
+            </a:r>
+            <a:endParaRPr lang="zh-CN" altLang="en-US">
+              <a:solidFill>
+                <a:srgbClr val="F7AF3F"/>
+              </a:solidFill>
+            </a:endParaRPr>
+          </a:p>
+          <a:p>
+            <a:pPr algn="ctr"/>
+            <a:r>
+              <a:rPr lang="zh-CN" altLang="en-US">
+                <a:solidFill>
+                  <a:srgbClr val="F7AF3F"/>
+                </a:solidFill>
+              </a:rPr>
+              <a:t>（课后自学）</a:t>
+            </a:r>
+            <a:endParaRPr lang="zh-CN" altLang="en-US">
+              <a:solidFill>
+                <a:srgbClr val="F7AF3F"/>
+              </a:solidFill>
+            </a:endParaRPr>
           </a:p>
         </p:txBody>
       </p:sp>
@@ -40063,8 +40400,8 @@
         </p:nvSpPr>
         <p:spPr>
           <a:xfrm>
-            <a:off x="205105" y="772795"/>
-            <a:ext cx="11782425" cy="1322070"/>
+            <a:off x="1115695" y="1374140"/>
+            <a:ext cx="10079355" cy="368300"/>
           </a:xfrm>
           <a:prstGeom prst="rect">
             <a:avLst/>
@@ -40076,52 +40413,86 @@
             <a:spAutoFit/>
           </a:bodyPr>
           <a:p>
-            <a:r>
-              <a:rPr lang="zh-CN" altLang="en-US" sz="1600">
+            <a:pPr algn="ctr"/>
+            <a:r>
+              <a:rPr lang="zh-CN" altLang="en-US">
+                <a:solidFill>
+                  <a:schemeClr val="tx1"/>
+                </a:solidFill>
                 <a:latin typeface="宋体" panose="02010600030101010101" pitchFamily="2" charset="-122"/>
                 <a:ea typeface="宋体" panose="02010600030101010101" pitchFamily="2" charset="-122"/>
                 <a:cs typeface="宋体" panose="02010600030101010101" pitchFamily="2" charset="-122"/>
               </a:rPr>
-              <a:t>集合的由来</a:t>
-            </a:r>
-            <a:endParaRPr lang="zh-CN" altLang="en-US" sz="1600">
+              <a:t>集合的概念：</a:t>
+            </a:r>
+            <a:r>
+              <a:rPr lang="zh-CN" altLang="en-US">
+                <a:solidFill>
+                  <a:schemeClr val="tx1"/>
+                </a:solidFill>
+                <a:latin typeface="宋体" panose="02010600030101010101" pitchFamily="2" charset="-122"/>
+                <a:ea typeface="宋体" panose="02010600030101010101" pitchFamily="2" charset="-122"/>
+                <a:cs typeface="宋体" panose="02010600030101010101" pitchFamily="2" charset="-122"/>
+                <a:sym typeface="+mn-ea"/>
+              </a:rPr>
+              <a:t>Java集合类存放在 </a:t>
+            </a:r>
+            <a:r>
+              <a:rPr lang="zh-CN" altLang="en-US" b="1">
+                <a:solidFill>
+                  <a:schemeClr val="tx1"/>
+                </a:solidFill>
+                <a:latin typeface="宋体" panose="02010600030101010101" pitchFamily="2" charset="-122"/>
+                <a:ea typeface="宋体" panose="02010600030101010101" pitchFamily="2" charset="-122"/>
+                <a:cs typeface="宋体" panose="02010600030101010101" pitchFamily="2" charset="-122"/>
+                <a:sym typeface="+mn-ea"/>
+              </a:rPr>
+              <a:t>java.util </a:t>
+            </a:r>
+            <a:r>
+              <a:rPr lang="zh-CN" altLang="en-US">
+                <a:solidFill>
+                  <a:schemeClr val="tx1"/>
+                </a:solidFill>
+                <a:latin typeface="宋体" panose="02010600030101010101" pitchFamily="2" charset="-122"/>
+                <a:ea typeface="宋体" panose="02010600030101010101" pitchFamily="2" charset="-122"/>
+                <a:cs typeface="宋体" panose="02010600030101010101" pitchFamily="2" charset="-122"/>
+                <a:sym typeface="+mn-ea"/>
+              </a:rPr>
+              <a:t>包中，是一个用来</a:t>
+            </a:r>
+            <a:r>
+              <a:rPr lang="zh-CN" altLang="en-US" b="1">
+                <a:solidFill>
+                  <a:srgbClr val="FF0000"/>
+                </a:solidFill>
+                <a:latin typeface="宋体" panose="02010600030101010101" pitchFamily="2" charset="-122"/>
+                <a:ea typeface="宋体" panose="02010600030101010101" pitchFamily="2" charset="-122"/>
+                <a:cs typeface="宋体" panose="02010600030101010101" pitchFamily="2" charset="-122"/>
+                <a:sym typeface="+mn-ea"/>
+              </a:rPr>
+              <a:t>存放对象的容器</a:t>
+            </a:r>
+            <a:r>
+              <a:rPr lang="zh-CN" altLang="en-US">
+                <a:solidFill>
+                  <a:schemeClr val="tx1"/>
+                </a:solidFill>
+                <a:latin typeface="宋体" panose="02010600030101010101" pitchFamily="2" charset="-122"/>
+                <a:ea typeface="宋体" panose="02010600030101010101" pitchFamily="2" charset="-122"/>
+                <a:cs typeface="宋体" panose="02010600030101010101" pitchFamily="2" charset="-122"/>
+                <a:sym typeface="+mn-ea"/>
+              </a:rPr>
+              <a:t>。</a:t>
+            </a:r>
+            <a:endParaRPr lang="zh-CN" altLang="en-US" b="1">
+              <a:solidFill>
+                <a:schemeClr val="tx1"/>
+              </a:solidFill>
               <a:latin typeface="宋体" panose="02010600030101010101" pitchFamily="2" charset="-122"/>
               <a:ea typeface="宋体" panose="02010600030101010101" pitchFamily="2" charset="-122"/>
               <a:cs typeface="宋体" panose="02010600030101010101" pitchFamily="2" charset="-122"/>
-            </a:endParaRPr>
-          </a:p>
-          <a:p>
-            <a:r>
-              <a:rPr lang="zh-CN" altLang="en-US" sz="1600">
-                <a:latin typeface="宋体" panose="02010600030101010101" pitchFamily="2" charset="-122"/>
-                <a:ea typeface="宋体" panose="02010600030101010101" pitchFamily="2" charset="-122"/>
-                <a:cs typeface="宋体" panose="02010600030101010101" pitchFamily="2" charset="-122"/>
-              </a:rPr>
-              <a:t>　　通常，我们的Java程序需要根据程序</a:t>
-            </a:r>
-            <a:r>
-              <a:rPr lang="zh-CN" altLang="en-US" sz="1600" b="1">
-                <a:solidFill>
-                  <a:srgbClr val="FF0000"/>
-                </a:solidFill>
-                <a:latin typeface="宋体" panose="02010600030101010101" pitchFamily="2" charset="-122"/>
-                <a:ea typeface="宋体" panose="02010600030101010101" pitchFamily="2" charset="-122"/>
-                <a:cs typeface="宋体" panose="02010600030101010101" pitchFamily="2" charset="-122"/>
-              </a:rPr>
-              <a:t>运行时才知道创建了多少个对象</a:t>
-            </a:r>
-            <a:r>
-              <a:rPr lang="zh-CN" altLang="en-US" sz="1600">
-                <a:latin typeface="宋体" panose="02010600030101010101" pitchFamily="2" charset="-122"/>
-                <a:ea typeface="宋体" panose="02010600030101010101" pitchFamily="2" charset="-122"/>
-                <a:cs typeface="宋体" panose="02010600030101010101" pitchFamily="2" charset="-122"/>
-              </a:rPr>
-              <a:t>。但若非程序运行，程序开发阶段，我们根本不知道到底需要多少个数量的对象，甚至不知道它的准确类型。为了满足这些常规的编程需要，我们要求能在任何时候，任何地点创建任意数量的对象，而这些对象用什么来容纳呢？我们首先想到了数组，但是！数组只能存放同一类型的数据，而且其长度是固定的，那怎么办了？集合便应运而生了。</a:t>
-            </a:r>
-            <a:endParaRPr lang="zh-CN" altLang="en-US" sz="1600">
-              <a:latin typeface="宋体" panose="02010600030101010101" pitchFamily="2" charset="-122"/>
-              <a:ea typeface="宋体" panose="02010600030101010101" pitchFamily="2" charset="-122"/>
-              <a:cs typeface="宋体" panose="02010600030101010101" pitchFamily="2" charset="-122"/>
+              <a:sym typeface="+mn-ea"/>
             </a:endParaRPr>
           </a:p>
         </p:txBody>
@@ -40134,7 +40505,7 @@
         </p:nvSpPr>
         <p:spPr>
           <a:xfrm>
-            <a:off x="3234055" y="2581910"/>
+            <a:off x="3215640" y="2174875"/>
             <a:ext cx="8084185" cy="679450"/>
           </a:xfrm>
           <a:prstGeom prst="rect">
@@ -40174,7 +40545,7 @@
                 <a:cs typeface="+mj-ea"/>
                 <a:sym typeface="+mn-ea"/>
               </a:rPr>
-              <a:t>1.集合只能存放对象。比如你存入一个int型数据66放入集合中，其实它是自动转换成Integer类后存入的，Java中每一种基本数据类型都有对应的引用类型。</a:t>
+              <a:t>1.集合只能存放引用类型对象。比如你存入一个int型数据66放入集合中，其实它是自动转换成Integer类后存入的，Java中每一种基本数据类型都有对应的引用类型。</a:t>
             </a:r>
             <a:endParaRPr lang="zh-CN" altLang="en-US" sz="1600">
               <a:solidFill>
@@ -40196,7 +40567,7 @@
         </p:nvSpPr>
         <p:spPr>
           <a:xfrm>
-            <a:off x="3234055" y="3368675"/>
+            <a:off x="3215640" y="2961640"/>
             <a:ext cx="8084185" cy="688340"/>
           </a:xfrm>
           <a:prstGeom prst="rect">
@@ -40264,75 +40635,13 @@
       </p:sp>
       <p:sp>
         <p:nvSpPr>
-          <p:cNvPr id="3" name="矩形 2"/>
-          <p:cNvSpPr/>
-          <p:nvPr/>
-        </p:nvSpPr>
-        <p:spPr>
-          <a:xfrm>
-            <a:off x="3234055" y="4138930"/>
-            <a:ext cx="8084185" cy="633730"/>
-          </a:xfrm>
-          <a:prstGeom prst="rect">
-            <a:avLst/>
-          </a:prstGeom>
-          <a:solidFill>
-            <a:schemeClr val="tx2"/>
-          </a:solidFill>
-        </p:spPr>
-        <p:style>
-          <a:lnRef idx="2">
-            <a:schemeClr val="accent1">
-              <a:shade val="50000"/>
-            </a:schemeClr>
-          </a:lnRef>
-          <a:fillRef idx="1">
-            <a:schemeClr val="accent1"/>
-          </a:fillRef>
-          <a:effectRef idx="0">
-            <a:schemeClr val="accent1"/>
-          </a:effectRef>
-          <a:fontRef idx="minor">
-            <a:schemeClr val="lt1"/>
-          </a:fontRef>
-        </p:style>
-        <p:txBody>
-          <a:bodyPr rtlCol="0" anchor="ctr"/>
-          <a:p>
-            <a:pPr algn="l"/>
-            <a:r>
-              <a:rPr lang="zh-CN" altLang="en-US" sz="1600">
-                <a:solidFill>
-                  <a:schemeClr val="tx1"/>
-                </a:solidFill>
-                <a:latin typeface="+mj-ea"/>
-                <a:ea typeface="+mj-ea"/>
-                <a:cs typeface="+mj-ea"/>
-                <a:sym typeface="+mn-ea"/>
-              </a:rPr>
-              <a:t>3.集合可以存放不同类型，不限数量的数据类型。</a:t>
-            </a:r>
-            <a:endParaRPr lang="zh-CN" altLang="en-US" sz="1600">
-              <a:solidFill>
-                <a:schemeClr val="tx1"/>
-              </a:solidFill>
-              <a:latin typeface="+mj-ea"/>
-              <a:ea typeface="+mj-ea"/>
-              <a:cs typeface="+mj-ea"/>
-              <a:sym typeface="+mn-ea"/>
-            </a:endParaRPr>
-          </a:p>
-        </p:txBody>
-      </p:sp>
-      <p:sp>
-        <p:nvSpPr>
           <p:cNvPr id="14" name="左大括号 13"/>
           <p:cNvSpPr/>
           <p:nvPr/>
         </p:nvSpPr>
         <p:spPr>
           <a:xfrm>
-            <a:off x="2885440" y="2581910"/>
+            <a:off x="2867025" y="2174875"/>
             <a:ext cx="218440" cy="2190750"/>
           </a:xfrm>
           <a:prstGeom prst="leftBrace">
@@ -40368,106 +40677,13 @@
       </p:sp>
       <p:sp>
         <p:nvSpPr>
-          <p:cNvPr id="24" name="矩形 23"/>
-          <p:cNvSpPr/>
-          <p:nvPr/>
-        </p:nvSpPr>
-        <p:spPr>
-          <a:xfrm>
-            <a:off x="3234055" y="2094865"/>
-            <a:ext cx="4716145" cy="366395"/>
-          </a:xfrm>
-          <a:prstGeom prst="rect">
-            <a:avLst/>
-          </a:prstGeom>
-          <a:solidFill>
-            <a:schemeClr val="bg1">
-              <a:lumMod val="50000"/>
-            </a:schemeClr>
-          </a:solidFill>
-          <a:ln>
-            <a:solidFill>
-              <a:schemeClr val="bg1"/>
-            </a:solidFill>
-          </a:ln>
-        </p:spPr>
-        <p:style>
-          <a:lnRef idx="2">
-            <a:schemeClr val="accent1">
-              <a:shade val="50000"/>
-            </a:schemeClr>
-          </a:lnRef>
-          <a:fillRef idx="1">
-            <a:schemeClr val="accent1"/>
-          </a:fillRef>
-          <a:effectRef idx="0">
-            <a:schemeClr val="accent1"/>
-          </a:effectRef>
-          <a:fontRef idx="minor">
-            <a:schemeClr val="lt1"/>
-          </a:fontRef>
-        </p:style>
-        <p:txBody>
-          <a:bodyPr rtlCol="0" anchor="ctr"/>
-          <a:p>
-            <a:pPr algn="ctr"/>
-            <a:r>
-              <a:rPr lang="zh-CN" altLang="en-US" sz="1200">
-                <a:solidFill>
-                  <a:schemeClr val="bg1"/>
-                </a:solidFill>
-                <a:latin typeface="宋体" panose="02010600030101010101" pitchFamily="2" charset="-122"/>
-                <a:ea typeface="宋体" panose="02010600030101010101" pitchFamily="2" charset="-122"/>
-                <a:cs typeface="宋体" panose="02010600030101010101" pitchFamily="2" charset="-122"/>
-                <a:sym typeface="+mn-ea"/>
-              </a:rPr>
-              <a:t>Java集合类存放在 </a:t>
-            </a:r>
-            <a:r>
-              <a:rPr lang="zh-CN" altLang="en-US" sz="1200" b="1">
-                <a:solidFill>
-                  <a:schemeClr val="bg1"/>
-                </a:solidFill>
-                <a:latin typeface="宋体" panose="02010600030101010101" pitchFamily="2" charset="-122"/>
-                <a:ea typeface="宋体" panose="02010600030101010101" pitchFamily="2" charset="-122"/>
-                <a:cs typeface="宋体" panose="02010600030101010101" pitchFamily="2" charset="-122"/>
-                <a:sym typeface="+mn-ea"/>
-              </a:rPr>
-              <a:t>java.util </a:t>
-            </a:r>
-            <a:r>
-              <a:rPr lang="zh-CN" altLang="en-US" sz="1200">
-                <a:solidFill>
-                  <a:schemeClr val="bg1"/>
-                </a:solidFill>
-                <a:latin typeface="宋体" panose="02010600030101010101" pitchFamily="2" charset="-122"/>
-                <a:ea typeface="宋体" panose="02010600030101010101" pitchFamily="2" charset="-122"/>
-                <a:cs typeface="宋体" panose="02010600030101010101" pitchFamily="2" charset="-122"/>
-                <a:sym typeface="+mn-ea"/>
-              </a:rPr>
-              <a:t>包中，是一个用来存放对象的容器。</a:t>
-            </a:r>
-            <a:endParaRPr lang="zh-CN" altLang="en-US" sz="1200" b="1">
-              <a:solidFill>
-                <a:schemeClr val="bg1"/>
-              </a:solidFill>
-              <a:latin typeface="宋体" panose="02010600030101010101" pitchFamily="2" charset="-122"/>
-              <a:ea typeface="宋体" panose="02010600030101010101" pitchFamily="2" charset="-122"/>
-              <a:cs typeface="宋体" panose="02010600030101010101" pitchFamily="2" charset="-122"/>
-              <a:sym typeface="+mn-ea"/>
-            </a:endParaRPr>
-          </a:p>
-        </p:txBody>
-      </p:sp>
-      <p:sp>
-        <p:nvSpPr>
           <p:cNvPr id="15" name="矩形 14"/>
           <p:cNvSpPr/>
           <p:nvPr/>
         </p:nvSpPr>
         <p:spPr>
           <a:xfrm>
-            <a:off x="1134110" y="3448050"/>
+            <a:off x="1115695" y="3041015"/>
             <a:ext cx="1535430" cy="458470"/>
           </a:xfrm>
           <a:prstGeom prst="rect">
@@ -40539,7 +40755,7 @@
         </p:blipFill>
         <p:spPr>
           <a:xfrm>
-            <a:off x="5388610" y="4900295"/>
+            <a:off x="5370195" y="4235450"/>
             <a:ext cx="5929630" cy="1931035"/>
           </a:xfrm>
           <a:prstGeom prst="rect">
@@ -40547,6 +40763,140 @@
           </a:prstGeom>
         </p:spPr>
       </p:pic>
+      <p:sp>
+        <p:nvSpPr>
+          <p:cNvPr id="4" name="矩形 3"/>
+          <p:cNvSpPr/>
+          <p:nvPr/>
+        </p:nvSpPr>
+        <p:spPr>
+          <a:xfrm>
+            <a:off x="3215640" y="3731895"/>
+            <a:ext cx="8084185" cy="633730"/>
+          </a:xfrm>
+          <a:prstGeom prst="rect">
+            <a:avLst/>
+          </a:prstGeom>
+          <a:solidFill>
+            <a:schemeClr val="tx2"/>
+          </a:solidFill>
+        </p:spPr>
+        <p:style>
+          <a:lnRef idx="2">
+            <a:schemeClr val="accent1">
+              <a:shade val="50000"/>
+            </a:schemeClr>
+          </a:lnRef>
+          <a:fillRef idx="1">
+            <a:schemeClr val="accent1"/>
+          </a:fillRef>
+          <a:effectRef idx="0">
+            <a:schemeClr val="accent1"/>
+          </a:effectRef>
+          <a:fontRef idx="minor">
+            <a:schemeClr val="lt1"/>
+          </a:fontRef>
+        </p:style>
+        <p:txBody>
+          <a:bodyPr rtlCol="0" anchor="ctr"/>
+          <a:p>
+            <a:pPr algn="l"/>
+            <a:r>
+              <a:rPr lang="zh-CN" altLang="en-US" sz="1600">
+                <a:solidFill>
+                  <a:schemeClr val="tx1"/>
+                </a:solidFill>
+                <a:latin typeface="+mj-ea"/>
+                <a:ea typeface="+mj-ea"/>
+                <a:cs typeface="+mj-ea"/>
+                <a:sym typeface="+mn-ea"/>
+              </a:rPr>
+              <a:t>3.集合可以存放不同类型，不限数量的数据类型</a:t>
+            </a:r>
+            <a:r>
+              <a:rPr lang="en-US" altLang="zh-CN" sz="1600">
+                <a:solidFill>
+                  <a:schemeClr val="tx1"/>
+                </a:solidFill>
+                <a:latin typeface="+mj-ea"/>
+                <a:ea typeface="+mj-ea"/>
+                <a:cs typeface="+mj-ea"/>
+                <a:sym typeface="+mn-ea"/>
+              </a:rPr>
+              <a:t>,</a:t>
+            </a:r>
+            <a:r>
+              <a:rPr lang="zh-CN" altLang="en-US" sz="1600" b="1">
+                <a:solidFill>
+                  <a:srgbClr val="FF0000"/>
+                </a:solidFill>
+                <a:latin typeface="宋体" panose="02010600030101010101" pitchFamily="2" charset="-122"/>
+                <a:ea typeface="宋体" panose="02010600030101010101" pitchFamily="2" charset="-122"/>
+                <a:cs typeface="宋体" panose="02010600030101010101" pitchFamily="2" charset="-122"/>
+                <a:sym typeface="+mn-ea"/>
+              </a:rPr>
+              <a:t>运行时才知道创建了多少个对象</a:t>
+            </a:r>
+            <a:r>
+              <a:rPr lang="en-US" altLang="zh-CN" sz="1600" b="1">
+                <a:solidFill>
+                  <a:srgbClr val="FF0000"/>
+                </a:solidFill>
+                <a:latin typeface="宋体" panose="02010600030101010101" pitchFamily="2" charset="-122"/>
+                <a:ea typeface="宋体" panose="02010600030101010101" pitchFamily="2" charset="-122"/>
+                <a:cs typeface="宋体" panose="02010600030101010101" pitchFamily="2" charset="-122"/>
+                <a:sym typeface="+mn-ea"/>
+              </a:rPr>
+              <a:t>[</a:t>
+            </a:r>
+            <a:r>
+              <a:rPr lang="zh-CN" altLang="en-US" sz="1600" b="1">
+                <a:solidFill>
+                  <a:srgbClr val="FF0000"/>
+                </a:solidFill>
+                <a:latin typeface="宋体" panose="02010600030101010101" pitchFamily="2" charset="-122"/>
+                <a:ea typeface="宋体" panose="02010600030101010101" pitchFamily="2" charset="-122"/>
+                <a:cs typeface="宋体" panose="02010600030101010101" pitchFamily="2" charset="-122"/>
+                <a:sym typeface="+mn-ea"/>
+              </a:rPr>
+              <a:t>数组编译期就指定长度</a:t>
+            </a:r>
+            <a:r>
+              <a:rPr lang="en-US" altLang="zh-CN" sz="1600" b="1">
+                <a:solidFill>
+                  <a:srgbClr val="FF0000"/>
+                </a:solidFill>
+                <a:latin typeface="宋体" panose="02010600030101010101" pitchFamily="2" charset="-122"/>
+                <a:ea typeface="宋体" panose="02010600030101010101" pitchFamily="2" charset="-122"/>
+                <a:cs typeface="宋体" panose="02010600030101010101" pitchFamily="2" charset="-122"/>
+                <a:sym typeface="+mn-ea"/>
+              </a:rPr>
+              <a:t>]</a:t>
+            </a:r>
+            <a:r>
+              <a:rPr lang="zh-CN" altLang="en-US" sz="1600">
+                <a:solidFill>
+                  <a:schemeClr val="tx1"/>
+                </a:solidFill>
+                <a:latin typeface="+mj-ea"/>
+                <a:ea typeface="+mj-ea"/>
+                <a:cs typeface="+mj-ea"/>
+                <a:sym typeface="+mn-ea"/>
+              </a:rPr>
+              <a:t>。</a:t>
+            </a:r>
+            <a:endParaRPr lang="zh-CN" altLang="en-US" sz="1600">
+              <a:solidFill>
+                <a:schemeClr val="tx1"/>
+              </a:solidFill>
+              <a:latin typeface="+mj-ea"/>
+              <a:ea typeface="+mj-ea"/>
+              <a:cs typeface="+mj-ea"/>
+              <a:sym typeface="+mn-ea"/>
+            </a:endParaRPr>
+          </a:p>
+        </p:txBody>
+      </p:sp>
     </p:spTree>
     <p:custDataLst>
       <p:tags r:id="rId3"/>
@@ -42332,7 +42682,7 @@
                   <a:schemeClr val="tx1"/>
                 </a:solidFill>
               </a:rPr>
-              <a:t>        </a:t>
+              <a:t>        // 和上面本质上一样 </a:t>
             </a:r>
             <a:endParaRPr lang="zh-CN" altLang="en-US" sz="1200">
               <a:solidFill>
@@ -42390,33 +42740,49 @@
           </a:p>
           <a:p>
             <a:pPr algn="l"/>
-            <a:r>
-              <a:rPr lang="zh-CN" altLang="en-US" sz="1200">
-                <a:solidFill>
-                  <a:schemeClr val="tx1"/>
-                </a:solidFill>
-              </a:rPr>
-              <a:t>        </a:t>
-            </a:r>
-            <a:endParaRPr lang="zh-CN" altLang="en-US" sz="1200">
-              <a:solidFill>
-                <a:schemeClr val="tx1"/>
-              </a:solidFill>
-            </a:endParaRPr>
-          </a:p>
-          <a:p>
-            <a:pPr algn="l"/>
-            <a:r>
-              <a:rPr lang="zh-CN" altLang="en-US" sz="1200">
-                <a:solidFill>
-                  <a:schemeClr val="tx1"/>
-                </a:solidFill>
-              </a:rPr>
-              <a:t>        Iterator&lt;Entry&lt;String, String&gt;&gt; iterator = map.entrySet().iterator();</a:t>
-            </a:r>
-            <a:endParaRPr lang="zh-CN" altLang="en-US" sz="1200">
-              <a:solidFill>
-                <a:schemeClr val="tx1"/>
+            <a:endParaRPr lang="zh-CN" altLang="en-US" sz="1200">
+              <a:solidFill>
+                <a:schemeClr val="tx1"/>
+              </a:solidFill>
+            </a:endParaRPr>
+          </a:p>
+          <a:p>
+            <a:pPr algn="l"/>
+            <a:r>
+              <a:rPr lang="zh-CN" altLang="en-US" sz="1200">
+                <a:solidFill>
+                  <a:schemeClr val="tx1"/>
+                </a:solidFill>
+              </a:rPr>
+              <a:t>        // 使用迭代器遍历 map（推荐这种方式）</a:t>
+            </a:r>
+            <a:endParaRPr lang="zh-CN" altLang="en-US" sz="1200">
+              <a:solidFill>
+                <a:schemeClr val="tx1"/>
+              </a:solidFill>
+            </a:endParaRPr>
+          </a:p>
+          <a:p>
+            <a:pPr algn="l"/>
+            <a:r>
+              <a:rPr lang="zh-CN" altLang="en-US" sz="1200">
+                <a:solidFill>
+                  <a:schemeClr val="tx1"/>
+                </a:solidFill>
+              </a:rPr>
+              <a:t>       </a:t>
+            </a:r>
+            <a:r>
+              <a:rPr lang="zh-CN" altLang="en-US" sz="1200" b="1">
+                <a:solidFill>
+                  <a:srgbClr val="FF0000"/>
+                </a:solidFill>
+              </a:rPr>
+              <a:t> Iterator&lt;Entry&lt;String, String&gt;&gt; iterator = map.entrySet().iterator();</a:t>
+            </a:r>
+            <a:endParaRPr lang="zh-CN" altLang="en-US" sz="1200" b="1">
+              <a:solidFill>
+                <a:srgbClr val="FF0000"/>
               </a:solidFill>
             </a:endParaRPr>
           </a:p>
@@ -42460,7 +42826,39 @@
                   <a:schemeClr val="tx1"/>
                 </a:solidFill>
               </a:rPr>
-              <a:t>            System.out.println(entry.getKey() + "~" +entry.getValue());</a:t>
+              <a:t>            System.out.println(</a:t>
+            </a:r>
+            <a:r>
+              <a:rPr lang="zh-CN" altLang="en-US" sz="1200" b="1">
+                <a:solidFill>
+                  <a:srgbClr val="FF0000"/>
+                </a:solidFill>
+              </a:rPr>
+              <a:t>entry.getKey()</a:t>
+            </a:r>
+            <a:r>
+              <a:rPr lang="zh-CN" altLang="en-US" sz="1200">
+                <a:solidFill>
+                  <a:schemeClr val="tx1"/>
+                </a:solidFill>
+              </a:rPr>
+              <a:t> + "~" +</a:t>
+            </a:r>
+            <a:r>
+              <a:rPr lang="zh-CN" altLang="en-US" sz="1200" b="1">
+                <a:solidFill>
+                  <a:srgbClr val="FF0000"/>
+                </a:solidFill>
+              </a:rPr>
+              <a:t>entry.getValue()</a:t>
+            </a:r>
+            <a:r>
+              <a:rPr lang="zh-CN" altLang="en-US" sz="1200">
+                <a:solidFill>
+                  <a:schemeClr val="tx1"/>
+                </a:solidFill>
+              </a:rPr>
+              <a:t>);</a:t>
             </a:r>
             <a:endParaRPr lang="zh-CN" altLang="en-US" sz="1200">
               <a:solidFill>
@@ -42486,6 +42884,14 @@
           </a:p>
           <a:p>
             <a:pPr algn="l"/>
+            <a:r>
+              <a:rPr lang="zh-CN" altLang="en-US" sz="1200">
+                <a:solidFill>
+                  <a:schemeClr val="tx1"/>
+                </a:solidFill>
+              </a:rPr>
+              <a:t>        // java8 遍历方式</a:t>
+            </a:r>
             <a:endParaRPr lang="zh-CN" altLang="en-US" sz="1200">
               <a:solidFill>
                 <a:schemeClr val="tx1"/>
@@ -42762,11 +43168,19 @@
                   <a:schemeClr val="tx1"/>
                 </a:solidFill>
               </a:rPr>
-              <a:t>        Set&lt;String&gt; keys = map.keySet();</a:t>
-            </a:r>
-            <a:endParaRPr lang="zh-CN" altLang="en-US" sz="1200">
-              <a:solidFill>
-                <a:schemeClr val="tx1"/>
+              <a:t>        Set&lt;String&gt; keys = </a:t>
+            </a:r>
+            <a:r>
+              <a:rPr lang="zh-CN" altLang="en-US" sz="1200" b="1">
+                <a:solidFill>
+                  <a:srgbClr val="FF0000"/>
+                </a:solidFill>
+              </a:rPr>
+              <a:t>map.keySet();</a:t>
+            </a:r>
+            <a:endParaRPr lang="zh-CN" altLang="en-US" sz="1200" b="1">
+              <a:solidFill>
+                <a:srgbClr val="FF0000"/>
               </a:solidFill>
             </a:endParaRPr>
           </a:p>
@@ -42826,11 +43240,19 @@
                   <a:schemeClr val="tx1"/>
                 </a:solidFill>
               </a:rPr>
-              <a:t>        Collection&lt;String&gt; values = map.values();</a:t>
-            </a:r>
-            <a:endParaRPr lang="zh-CN" altLang="en-US" sz="1200">
-              <a:solidFill>
-                <a:schemeClr val="tx1"/>
+              <a:t>        Collection&lt;String&gt; values =</a:t>
+            </a:r>
+            <a:r>
+              <a:rPr lang="zh-CN" altLang="en-US" sz="1200" b="1">
+                <a:solidFill>
+                  <a:srgbClr val="FF0000"/>
+                </a:solidFill>
+              </a:rPr>
+              <a:t> map.values();</a:t>
+            </a:r>
+            <a:endParaRPr lang="zh-CN" altLang="en-US" sz="1200" b="1">
+              <a:solidFill>
+                <a:srgbClr val="FF0000"/>
               </a:solidFill>
             </a:endParaRPr>
           </a:p>
@@ -45207,7 +45629,7 @@
                 <a:cs typeface="+mn-ea"/>
                 <a:sym typeface="+mn-ea"/>
               </a:rPr>
-              <a:t>	</a:t>
+              <a:t>		</a:t>
             </a:r>
             <a:r>
               <a:rPr lang="zh-CN" altLang="en-US" sz="1200">
@@ -46213,7 +46635,7 @@
           <a:p>
             <a:pPr algn="l"/>
             <a:r>
-              <a:rPr sz="1600" b="1">
+              <a:rPr lang="en-US" sz="1600" b="1">
                 <a:solidFill>
                   <a:srgbClr val="F59909"/>
                 </a:solidFill>
@@ -46222,7 +46644,19 @@
                 <a:cs typeface="宋体" panose="02010600030101010101" pitchFamily="2" charset="-122"/>
                 <a:sym typeface="+mn-ea"/>
               </a:rPr>
-              <a:t>Stack </a:t>
+              <a:t>Queue</a:t>
+            </a:r>
+            <a:r>
+              <a:rPr sz="1600" b="1">
+                <a:solidFill>
+                  <a:srgbClr val="F59909"/>
+                </a:solidFill>
+                <a:latin typeface="宋体" panose="02010600030101010101" pitchFamily="2" charset="-122"/>
+                <a:ea typeface="宋体" panose="02010600030101010101" pitchFamily="2" charset="-122"/>
+                <a:cs typeface="宋体" panose="02010600030101010101" pitchFamily="2" charset="-122"/>
+                <a:sym typeface="+mn-ea"/>
+              </a:rPr>
+              <a:t> </a:t>
             </a:r>
             <a:r>
               <a:rPr lang="zh-CN" sz="1600" b="1">
@@ -47369,135 +47803,28 @@
         <p:nvPr/>
       </p:nvGrpSpPr>
       <p:grpSpPr/>
-      <p:pic>
-        <p:nvPicPr>
-          <p:cNvPr id="2" name="图片 1"/>
-          <p:cNvPicPr>
-            <a:picLocks noChangeAspect="1"/>
-          </p:cNvPicPr>
-          <p:nvPr/>
-        </p:nvPicPr>
-        <p:blipFill>
-          <a:blip r:embed="rId2"/>
-          <a:stretch>
-            <a:fillRect/>
-          </a:stretch>
-        </p:blipFill>
-        <p:spPr>
-          <a:xfrm>
-            <a:off x="4839335" y="166370"/>
-            <a:ext cx="7041515" cy="6691630"/>
-          </a:xfrm>
-          <a:prstGeom prst="rect">
-            <a:avLst/>
-          </a:prstGeom>
-        </p:spPr>
-      </p:pic>
       <p:sp>
         <p:nvSpPr>
-          <p:cNvPr id="3" name="文本框 2"/>
-          <p:cNvSpPr txBox="1"/>
-          <p:nvPr/>
-        </p:nvSpPr>
-        <p:spPr>
-          <a:xfrm>
-            <a:off x="406400" y="1120140"/>
-            <a:ext cx="4062730" cy="2061210"/>
-          </a:xfrm>
-          <a:prstGeom prst="rect">
-            <a:avLst/>
-          </a:prstGeom>
-          <a:noFill/>
-        </p:spPr>
-        <p:txBody>
-          <a:bodyPr wrap="square" rtlCol="0">
-            <a:spAutoFit/>
-          </a:bodyPr>
-          <a:p>
-            <a:r>
-              <a:rPr lang="zh-CN" altLang="en-US" sz="1600">
-                <a:latin typeface="宋体" panose="02010600030101010101" pitchFamily="2" charset="-122"/>
-                <a:ea typeface="宋体" panose="02010600030101010101" pitchFamily="2" charset="-122"/>
-                <a:cs typeface="宋体" panose="02010600030101010101" pitchFamily="2" charset="-122"/>
-              </a:rPr>
-              <a:t>Java 集合框架主要包括两种类型的容器，一种是</a:t>
-            </a:r>
-            <a:r>
-              <a:rPr lang="zh-CN" altLang="en-US" sz="1600" b="1">
-                <a:solidFill>
-                  <a:srgbClr val="FF0000"/>
-                </a:solidFill>
-                <a:latin typeface="宋体" panose="02010600030101010101" pitchFamily="2" charset="-122"/>
-                <a:ea typeface="宋体" panose="02010600030101010101" pitchFamily="2" charset="-122"/>
-                <a:cs typeface="宋体" panose="02010600030101010101" pitchFamily="2" charset="-122"/>
-              </a:rPr>
-              <a:t>集合（Collection）</a:t>
-            </a:r>
-            <a:r>
-              <a:rPr lang="zh-CN" altLang="en-US" sz="1600">
-                <a:latin typeface="宋体" panose="02010600030101010101" pitchFamily="2" charset="-122"/>
-                <a:ea typeface="宋体" panose="02010600030101010101" pitchFamily="2" charset="-122"/>
-                <a:cs typeface="宋体" panose="02010600030101010101" pitchFamily="2" charset="-122"/>
-              </a:rPr>
-              <a:t>，存储一个元素集合，另一种是</a:t>
-            </a:r>
-            <a:r>
-              <a:rPr lang="zh-CN" altLang="en-US" sz="1600" b="1">
-                <a:solidFill>
-                  <a:srgbClr val="FF0000"/>
-                </a:solidFill>
-                <a:latin typeface="宋体" panose="02010600030101010101" pitchFamily="2" charset="-122"/>
-                <a:ea typeface="宋体" panose="02010600030101010101" pitchFamily="2" charset="-122"/>
-                <a:cs typeface="宋体" panose="02010600030101010101" pitchFamily="2" charset="-122"/>
-              </a:rPr>
-              <a:t>图（Map）</a:t>
-            </a:r>
-            <a:r>
-              <a:rPr lang="zh-CN" altLang="en-US" sz="1600">
-                <a:latin typeface="宋体" panose="02010600030101010101" pitchFamily="2" charset="-122"/>
-                <a:ea typeface="宋体" panose="02010600030101010101" pitchFamily="2" charset="-122"/>
-                <a:cs typeface="宋体" panose="02010600030101010101" pitchFamily="2" charset="-122"/>
-              </a:rPr>
-              <a:t>，存储键/值对映射。Collection 接口又有 3 种子类型，List、Set 和 Queue，再下面是一些抽象类，最后是具体实现类，常用的有 ArrayList、LinkedList、HashSet、LinkedHashSet、HashMap、LinkedHashMap 等等。</a:t>
-            </a:r>
-            <a:endParaRPr lang="zh-CN" altLang="en-US" sz="1600">
-              <a:latin typeface="宋体" panose="02010600030101010101" pitchFamily="2" charset="-122"/>
-              <a:ea typeface="宋体" panose="02010600030101010101" pitchFamily="2" charset="-122"/>
-              <a:cs typeface="宋体" panose="02010600030101010101" pitchFamily="2" charset="-122"/>
-            </a:endParaRPr>
-          </a:p>
-        </p:txBody>
-      </p:sp>
-      <p:sp>
-        <p:nvSpPr>
-          <p:cNvPr id="17" name="矩形 16"/>
+          <p:cNvPr id="5" name="矩形 4"/>
           <p:cNvSpPr/>
           <p:nvPr/>
         </p:nvSpPr>
         <p:spPr>
           <a:xfrm>
-            <a:off x="225425" y="1060450"/>
-            <a:ext cx="4424680" cy="2180590"/>
+            <a:off x="276860" y="843280"/>
+            <a:ext cx="5060315" cy="5558790"/>
           </a:xfrm>
           <a:prstGeom prst="rect">
             <a:avLst/>
           </a:prstGeom>
-          <a:noFill/>
+          <a:solidFill>
+            <a:schemeClr val="bg1"/>
+          </a:solidFill>
           <a:ln w="28575">
             <a:solidFill>
-              <a:srgbClr val="36A44E"/>
+              <a:srgbClr val="F59909"/>
             </a:solidFill>
-            <a:prstDash val="dash"/>
           </a:ln>
-          <a:extLst>
-            <a:ext uri="{909E8E84-426E-40DD-AFC4-6F175D3DCCD1}">
-              <a14:hiddenFill xmlns:a14="http://schemas.microsoft.com/office/drawing/2010/main">
-                <a:solidFill>
-                  <a:schemeClr val="bg1"/>
-                </a:solidFill>
-              </a14:hiddenFill>
-            </a:ext>
-          </a:extLst>
         </p:spPr>
         <p:style>
           <a:lnRef idx="2">
@@ -47519,24 +47846,556 @@
           <a:bodyPr rtlCol="0" anchor="ctr"/>
           <a:p>
             <a:pPr algn="l"/>
-            <a:endParaRPr lang="zh-CN" altLang="en-US" sz="1200">
-              <a:solidFill>
-                <a:schemeClr val="tx1"/>
-              </a:solidFill>
+            <a:r>
+              <a:rPr lang="zh-CN" altLang="en-US" sz="1200">
+                <a:solidFill>
+                  <a:schemeClr val="tx1"/>
+                </a:solidFill>
+                <a:sym typeface="+mn-ea"/>
+              </a:rPr>
+              <a:t>    /**</a:t>
+            </a:r>
+            <a:endParaRPr lang="zh-CN" altLang="en-US" sz="1200">
+              <a:solidFill>
+                <a:schemeClr val="tx1"/>
+              </a:solidFill>
+              <a:sym typeface="+mn-ea"/>
+            </a:endParaRPr>
+          </a:p>
+          <a:p>
+            <a:pPr algn="l"/>
+            <a:r>
+              <a:rPr lang="zh-CN" altLang="en-US" sz="1200">
+                <a:solidFill>
+                  <a:schemeClr val="tx1"/>
+                </a:solidFill>
+                <a:sym typeface="+mn-ea"/>
+              </a:rPr>
+              <a:t>     * 证明集合中放入的元素是对象的引用，而不是对象本身</a:t>
+            </a:r>
+            <a:endParaRPr lang="zh-CN" altLang="en-US" sz="1200">
+              <a:solidFill>
+                <a:schemeClr val="tx1"/>
+              </a:solidFill>
+              <a:sym typeface="+mn-ea"/>
+            </a:endParaRPr>
+          </a:p>
+          <a:p>
+            <a:pPr algn="l"/>
+            <a:r>
+              <a:rPr lang="zh-CN" altLang="en-US" sz="1200">
+                <a:solidFill>
+                  <a:schemeClr val="tx1"/>
+                </a:solidFill>
+                <a:sym typeface="+mn-ea"/>
+              </a:rPr>
+              <a:t>     */</a:t>
+            </a:r>
+            <a:endParaRPr lang="zh-CN" altLang="en-US" sz="1200">
+              <a:solidFill>
+                <a:schemeClr val="tx1"/>
+              </a:solidFill>
+              <a:sym typeface="+mn-ea"/>
+            </a:endParaRPr>
+          </a:p>
+          <a:p>
+            <a:pPr algn="l"/>
+            <a:r>
+              <a:rPr lang="zh-CN" altLang="en-US" sz="1200">
+                <a:solidFill>
+                  <a:schemeClr val="tx1"/>
+                </a:solidFill>
+                <a:sym typeface="+mn-ea"/>
+              </a:rPr>
+              <a:t>    @Test</a:t>
+            </a:r>
+            <a:endParaRPr lang="zh-CN" altLang="en-US" sz="1200">
+              <a:solidFill>
+                <a:schemeClr val="tx1"/>
+              </a:solidFill>
+              <a:sym typeface="+mn-ea"/>
+            </a:endParaRPr>
+          </a:p>
+          <a:p>
+            <a:pPr algn="l"/>
+            <a:r>
+              <a:rPr lang="zh-CN" altLang="en-US" sz="1200">
+                <a:solidFill>
+                  <a:schemeClr val="tx1"/>
+                </a:solidFill>
+                <a:sym typeface="+mn-ea"/>
+              </a:rPr>
+              <a:t>    public void testCollection2 () {</a:t>
+            </a:r>
+            <a:endParaRPr lang="zh-CN" altLang="en-US" sz="1200">
+              <a:solidFill>
+                <a:schemeClr val="tx1"/>
+              </a:solidFill>
+              <a:sym typeface="+mn-ea"/>
+            </a:endParaRPr>
+          </a:p>
+          <a:p>
+            <a:pPr algn="l"/>
+            <a:r>
+              <a:rPr lang="zh-CN" altLang="en-US" sz="1200">
+                <a:solidFill>
+                  <a:schemeClr val="tx1"/>
+                </a:solidFill>
+                <a:sym typeface="+mn-ea"/>
+              </a:rPr>
+              <a:t>        List&lt;Person&gt; personList01 = new ArrayList&lt;&gt;();</a:t>
+            </a:r>
+            <a:endParaRPr lang="zh-CN" altLang="en-US" sz="1200">
+              <a:solidFill>
+                <a:schemeClr val="tx1"/>
+              </a:solidFill>
+              <a:sym typeface="+mn-ea"/>
+            </a:endParaRPr>
+          </a:p>
+          <a:p>
+            <a:pPr algn="l"/>
+            <a:r>
+              <a:rPr lang="zh-CN" altLang="en-US" sz="1200">
+                <a:solidFill>
+                  <a:schemeClr val="tx1"/>
+                </a:solidFill>
+                <a:sym typeface="+mn-ea"/>
+              </a:rPr>
+              <a:t>        List&lt;Person&gt; personList02 = new ArrayList&lt;&gt;();</a:t>
+            </a:r>
+            <a:endParaRPr lang="zh-CN" altLang="en-US" sz="1200">
+              <a:solidFill>
+                <a:schemeClr val="tx1"/>
+              </a:solidFill>
+              <a:sym typeface="+mn-ea"/>
+            </a:endParaRPr>
+          </a:p>
+          <a:p>
+            <a:pPr algn="l"/>
+            <a:r>
+              <a:rPr lang="zh-CN" altLang="en-US" sz="1200">
+                <a:solidFill>
+                  <a:schemeClr val="tx1"/>
+                </a:solidFill>
+                <a:sym typeface="+mn-ea"/>
+              </a:rPr>
+              <a:t>        </a:t>
+            </a:r>
+            <a:endParaRPr lang="zh-CN" altLang="en-US" sz="1200">
+              <a:solidFill>
+                <a:schemeClr val="tx1"/>
+              </a:solidFill>
+              <a:sym typeface="+mn-ea"/>
+            </a:endParaRPr>
+          </a:p>
+          <a:p>
+            <a:pPr algn="l"/>
+            <a:r>
+              <a:rPr lang="zh-CN" altLang="en-US" sz="1200">
+                <a:solidFill>
+                  <a:schemeClr val="tx1"/>
+                </a:solidFill>
+                <a:sym typeface="+mn-ea"/>
+              </a:rPr>
+              <a:t>        Person person = new Person();</a:t>
+            </a:r>
+            <a:endParaRPr lang="zh-CN" altLang="en-US" sz="1200">
+              <a:solidFill>
+                <a:schemeClr val="tx1"/>
+              </a:solidFill>
+              <a:sym typeface="+mn-ea"/>
+            </a:endParaRPr>
+          </a:p>
+          <a:p>
+            <a:pPr algn="l"/>
+            <a:r>
+              <a:rPr lang="zh-CN" altLang="en-US" sz="1200">
+                <a:solidFill>
+                  <a:schemeClr val="tx1"/>
+                </a:solidFill>
+                <a:sym typeface="+mn-ea"/>
+              </a:rPr>
+              <a:t>        person.setName("tom");</a:t>
+            </a:r>
+            <a:endParaRPr lang="zh-CN" altLang="en-US" sz="1200">
+              <a:solidFill>
+                <a:schemeClr val="tx1"/>
+              </a:solidFill>
+              <a:sym typeface="+mn-ea"/>
+            </a:endParaRPr>
+          </a:p>
+          <a:p>
+            <a:pPr algn="l"/>
+            <a:r>
+              <a:rPr lang="zh-CN" altLang="en-US" sz="1200">
+                <a:solidFill>
+                  <a:schemeClr val="tx1"/>
+                </a:solidFill>
+                <a:sym typeface="+mn-ea"/>
+              </a:rPr>
+              <a:t>        person.setAge(20);</a:t>
+            </a:r>
+            <a:endParaRPr lang="zh-CN" altLang="en-US" sz="1200">
+              <a:solidFill>
+                <a:schemeClr val="tx1"/>
+              </a:solidFill>
+              <a:sym typeface="+mn-ea"/>
+            </a:endParaRPr>
+          </a:p>
+          <a:p>
+            <a:pPr algn="l"/>
+            <a:r>
+              <a:rPr lang="zh-CN" altLang="en-US" sz="1200">
+                <a:solidFill>
+                  <a:schemeClr val="tx1"/>
+                </a:solidFill>
+                <a:sym typeface="+mn-ea"/>
+              </a:rPr>
+              <a:t>        </a:t>
+            </a:r>
+            <a:endParaRPr lang="zh-CN" altLang="en-US" sz="1200">
+              <a:solidFill>
+                <a:schemeClr val="tx1"/>
+              </a:solidFill>
+              <a:sym typeface="+mn-ea"/>
+            </a:endParaRPr>
+          </a:p>
+          <a:p>
+            <a:pPr algn="l"/>
+            <a:r>
+              <a:rPr lang="zh-CN" altLang="en-US" sz="1200">
+                <a:solidFill>
+                  <a:schemeClr val="tx1"/>
+                </a:solidFill>
+                <a:sym typeface="+mn-ea"/>
+              </a:rPr>
+              <a:t>        // 两个集合放入相同的元素</a:t>
+            </a:r>
+            <a:endParaRPr lang="zh-CN" altLang="en-US" sz="1200">
+              <a:solidFill>
+                <a:schemeClr val="tx1"/>
+              </a:solidFill>
+              <a:sym typeface="+mn-ea"/>
+            </a:endParaRPr>
+          </a:p>
+          <a:p>
+            <a:pPr algn="l"/>
+            <a:r>
+              <a:rPr lang="zh-CN" altLang="en-US" sz="1200">
+                <a:solidFill>
+                  <a:schemeClr val="tx1"/>
+                </a:solidFill>
+                <a:sym typeface="+mn-ea"/>
+              </a:rPr>
+              <a:t>        personList01.add(person);</a:t>
+            </a:r>
+            <a:endParaRPr lang="zh-CN" altLang="en-US" sz="1200">
+              <a:solidFill>
+                <a:schemeClr val="tx1"/>
+              </a:solidFill>
+              <a:sym typeface="+mn-ea"/>
+            </a:endParaRPr>
+          </a:p>
+          <a:p>
+            <a:pPr algn="l"/>
+            <a:r>
+              <a:rPr lang="zh-CN" altLang="en-US" sz="1200">
+                <a:solidFill>
+                  <a:schemeClr val="tx1"/>
+                </a:solidFill>
+                <a:sym typeface="+mn-ea"/>
+              </a:rPr>
+              <a:t>        personList02.add(person);</a:t>
+            </a:r>
+            <a:endParaRPr lang="zh-CN" altLang="en-US" sz="1200">
+              <a:solidFill>
+                <a:schemeClr val="tx1"/>
+              </a:solidFill>
+              <a:sym typeface="+mn-ea"/>
+            </a:endParaRPr>
+          </a:p>
+          <a:p>
+            <a:pPr algn="l"/>
+            <a:r>
+              <a:rPr lang="zh-CN" altLang="en-US" sz="1200">
+                <a:solidFill>
+                  <a:schemeClr val="tx1"/>
+                </a:solidFill>
+                <a:sym typeface="+mn-ea"/>
+              </a:rPr>
+              <a:t>        </a:t>
+            </a:r>
+            <a:endParaRPr lang="zh-CN" altLang="en-US" sz="1200">
+              <a:solidFill>
+                <a:schemeClr val="tx1"/>
+              </a:solidFill>
+              <a:sym typeface="+mn-ea"/>
+            </a:endParaRPr>
+          </a:p>
+          <a:p>
+            <a:pPr algn="l"/>
+            <a:r>
+              <a:rPr lang="zh-CN" altLang="en-US" sz="1200">
+                <a:solidFill>
+                  <a:schemeClr val="tx1"/>
+                </a:solidFill>
+                <a:sym typeface="+mn-ea"/>
+              </a:rPr>
+              <a:t>        System.out.println(personList01);</a:t>
+            </a:r>
+            <a:endParaRPr lang="zh-CN" altLang="en-US" sz="1200">
+              <a:solidFill>
+                <a:schemeClr val="tx1"/>
+              </a:solidFill>
+              <a:sym typeface="+mn-ea"/>
+            </a:endParaRPr>
+          </a:p>
+          <a:p>
+            <a:pPr algn="l"/>
+            <a:r>
+              <a:rPr lang="zh-CN" altLang="en-US" sz="1200">
+                <a:solidFill>
+                  <a:schemeClr val="tx1"/>
+                </a:solidFill>
+                <a:sym typeface="+mn-ea"/>
+              </a:rPr>
+              <a:t>        System.out.println(personList02);</a:t>
+            </a:r>
+            <a:endParaRPr lang="zh-CN" altLang="en-US" sz="1200">
+              <a:solidFill>
+                <a:schemeClr val="tx1"/>
+              </a:solidFill>
+              <a:sym typeface="+mn-ea"/>
+            </a:endParaRPr>
+          </a:p>
+          <a:p>
+            <a:pPr algn="l"/>
+            <a:r>
+              <a:rPr lang="zh-CN" altLang="en-US" sz="1200">
+                <a:solidFill>
+                  <a:schemeClr val="tx1"/>
+                </a:solidFill>
+                <a:sym typeface="+mn-ea"/>
+              </a:rPr>
+              <a:t>        </a:t>
+            </a:r>
+            <a:endParaRPr lang="zh-CN" altLang="en-US" sz="1200">
+              <a:solidFill>
+                <a:schemeClr val="tx1"/>
+              </a:solidFill>
+              <a:sym typeface="+mn-ea"/>
+            </a:endParaRPr>
+          </a:p>
+          <a:p>
+            <a:pPr algn="l"/>
+            <a:r>
+              <a:rPr lang="zh-CN" altLang="en-US" sz="1200">
+                <a:solidFill>
+                  <a:schemeClr val="tx1"/>
+                </a:solidFill>
+                <a:sym typeface="+mn-ea"/>
+              </a:rPr>
+              <a:t>        // 修改其中一个集合</a:t>
+            </a:r>
+            <a:endParaRPr lang="zh-CN" altLang="en-US" sz="1200">
+              <a:solidFill>
+                <a:schemeClr val="tx1"/>
+              </a:solidFill>
+              <a:sym typeface="+mn-ea"/>
+            </a:endParaRPr>
+          </a:p>
+          <a:p>
+            <a:pPr algn="l"/>
+            <a:r>
+              <a:rPr lang="zh-CN" altLang="en-US" sz="1200">
+                <a:solidFill>
+                  <a:schemeClr val="tx1"/>
+                </a:solidFill>
+                <a:sym typeface="+mn-ea"/>
+              </a:rPr>
+              <a:t>        for (Person pson : personList02) {</a:t>
+            </a:r>
+            <a:endParaRPr lang="zh-CN" altLang="en-US" sz="1200">
+              <a:solidFill>
+                <a:schemeClr val="tx1"/>
+              </a:solidFill>
+              <a:sym typeface="+mn-ea"/>
+            </a:endParaRPr>
+          </a:p>
+          <a:p>
+            <a:pPr algn="l"/>
+            <a:r>
+              <a:rPr lang="zh-CN" altLang="en-US" sz="1200">
+                <a:solidFill>
+                  <a:schemeClr val="tx1"/>
+                </a:solidFill>
+                <a:sym typeface="+mn-ea"/>
+              </a:rPr>
+              <a:t>            pson.setName("bob");</a:t>
+            </a:r>
+            <a:endParaRPr lang="zh-CN" altLang="en-US" sz="1200">
+              <a:solidFill>
+                <a:schemeClr val="tx1"/>
+              </a:solidFill>
+              <a:sym typeface="+mn-ea"/>
+            </a:endParaRPr>
+          </a:p>
+          <a:p>
+            <a:pPr algn="l"/>
+            <a:r>
+              <a:rPr lang="zh-CN" altLang="en-US" sz="1200">
+                <a:solidFill>
+                  <a:schemeClr val="tx1"/>
+                </a:solidFill>
+                <a:sym typeface="+mn-ea"/>
+              </a:rPr>
+              <a:t>            pson.setAge(30);</a:t>
+            </a:r>
+            <a:endParaRPr lang="zh-CN" altLang="en-US" sz="1200">
+              <a:solidFill>
+                <a:schemeClr val="tx1"/>
+              </a:solidFill>
+              <a:sym typeface="+mn-ea"/>
+            </a:endParaRPr>
+          </a:p>
+          <a:p>
+            <a:pPr algn="l"/>
+            <a:r>
+              <a:rPr lang="zh-CN" altLang="en-US" sz="1200">
+                <a:solidFill>
+                  <a:schemeClr val="tx1"/>
+                </a:solidFill>
+                <a:sym typeface="+mn-ea"/>
+              </a:rPr>
+              <a:t>        }</a:t>
+            </a:r>
+            <a:endParaRPr lang="zh-CN" altLang="en-US" sz="1200">
+              <a:solidFill>
+                <a:schemeClr val="tx1"/>
+              </a:solidFill>
+              <a:sym typeface="+mn-ea"/>
+            </a:endParaRPr>
+          </a:p>
+          <a:p>
+            <a:pPr algn="l"/>
+            <a:r>
+              <a:rPr lang="zh-CN" altLang="en-US" sz="1200">
+                <a:solidFill>
+                  <a:schemeClr val="tx1"/>
+                </a:solidFill>
+                <a:sym typeface="+mn-ea"/>
+              </a:rPr>
+              <a:t>        </a:t>
+            </a:r>
+            <a:endParaRPr lang="zh-CN" altLang="en-US" sz="1200">
+              <a:solidFill>
+                <a:schemeClr val="tx1"/>
+              </a:solidFill>
+              <a:sym typeface="+mn-ea"/>
+            </a:endParaRPr>
+          </a:p>
+          <a:p>
+            <a:pPr algn="l"/>
+            <a:r>
+              <a:rPr lang="zh-CN" altLang="en-US" sz="1200">
+                <a:solidFill>
+                  <a:schemeClr val="tx1"/>
+                </a:solidFill>
+                <a:sym typeface="+mn-ea"/>
+              </a:rPr>
+              <a:t>        // 另一个集合跟着改变</a:t>
+            </a:r>
+            <a:endParaRPr lang="zh-CN" altLang="en-US" sz="1200">
+              <a:solidFill>
+                <a:schemeClr val="tx1"/>
+              </a:solidFill>
+              <a:sym typeface="+mn-ea"/>
+            </a:endParaRPr>
+          </a:p>
+          <a:p>
+            <a:pPr algn="l"/>
+            <a:r>
+              <a:rPr lang="zh-CN" altLang="en-US" sz="1200">
+                <a:solidFill>
+                  <a:schemeClr val="tx1"/>
+                </a:solidFill>
+                <a:sym typeface="+mn-ea"/>
+              </a:rPr>
+              <a:t>        System.out.println(personList01);</a:t>
+            </a:r>
+            <a:endParaRPr lang="zh-CN" altLang="en-US" sz="1200">
+              <a:solidFill>
+                <a:schemeClr val="tx1"/>
+              </a:solidFill>
+              <a:sym typeface="+mn-ea"/>
+            </a:endParaRPr>
+          </a:p>
+          <a:p>
+            <a:pPr algn="l"/>
+            <a:r>
+              <a:rPr lang="zh-CN" altLang="en-US" sz="1200">
+                <a:solidFill>
+                  <a:schemeClr val="tx1"/>
+                </a:solidFill>
+                <a:sym typeface="+mn-ea"/>
+              </a:rPr>
+              <a:t>        // 集合对象重写了 toString 方法</a:t>
+            </a:r>
+            <a:endParaRPr lang="zh-CN" altLang="en-US" sz="1200">
+              <a:solidFill>
+                <a:schemeClr val="tx1"/>
+              </a:solidFill>
+              <a:sym typeface="+mn-ea"/>
+            </a:endParaRPr>
+          </a:p>
+          <a:p>
+            <a:pPr algn="l"/>
+            <a:r>
+              <a:rPr lang="zh-CN" altLang="en-US" sz="1200">
+                <a:solidFill>
+                  <a:schemeClr val="tx1"/>
+                </a:solidFill>
+                <a:sym typeface="+mn-ea"/>
+              </a:rPr>
+              <a:t>        System.out.println(personList02);</a:t>
+            </a:r>
+            <a:endParaRPr lang="zh-CN" altLang="en-US" sz="1200">
+              <a:solidFill>
+                <a:schemeClr val="tx1"/>
+              </a:solidFill>
+              <a:sym typeface="+mn-ea"/>
+            </a:endParaRPr>
+          </a:p>
+          <a:p>
+            <a:pPr algn="l"/>
+            <a:r>
+              <a:rPr lang="zh-CN" altLang="en-US" sz="1200">
+                <a:solidFill>
+                  <a:schemeClr val="tx1"/>
+                </a:solidFill>
+                <a:sym typeface="+mn-ea"/>
+              </a:rPr>
+              <a:t>    }</a:t>
+            </a:r>
+            <a:endParaRPr lang="zh-CN" altLang="en-US" sz="1200">
+              <a:solidFill>
+                <a:schemeClr val="tx1"/>
+              </a:solidFill>
+              <a:sym typeface="+mn-ea"/>
             </a:endParaRPr>
           </a:p>
         </p:txBody>
       </p:sp>
       <p:sp>
         <p:nvSpPr>
-          <p:cNvPr id="9" name="矩形 8"/>
+          <p:cNvPr id="8" name="矩形 7"/>
           <p:cNvSpPr/>
           <p:nvPr/>
         </p:nvSpPr>
         <p:spPr>
           <a:xfrm>
-            <a:off x="9114790" y="5925820"/>
-            <a:ext cx="979805" cy="229870"/>
+            <a:off x="2440940" y="6293485"/>
+            <a:ext cx="2914015" cy="456565"/>
           </a:xfrm>
           <a:prstGeom prst="rect">
             <a:avLst/>
@@ -47571,23 +48430,336 @@
           <a:p>
             <a:pPr algn="ctr"/>
             <a:r>
-              <a:rPr lang="zh-CN" altLang="en-US" sz="1200"/>
-              <a:t>容器工具类</a:t>
-            </a:r>
-            <a:endParaRPr lang="zh-CN" altLang="en-US" sz="1200"/>
+              <a:rPr lang="zh-CN"/>
+              <a:t>集合特性：存储对象引用</a:t>
+            </a:r>
+            <a:endParaRPr lang="zh-CN"/>
           </a:p>
         </p:txBody>
       </p:sp>
       <p:sp>
         <p:nvSpPr>
-          <p:cNvPr id="5" name="矩形 4"/>
+          <p:cNvPr id="6" name="矩形 5"/>
           <p:cNvSpPr/>
           <p:nvPr/>
         </p:nvSpPr>
         <p:spPr>
           <a:xfrm>
-            <a:off x="10700385" y="5344795"/>
-            <a:ext cx="1180465" cy="229870"/>
+            <a:off x="5577840" y="843280"/>
+            <a:ext cx="5862320" cy="3255645"/>
+          </a:xfrm>
+          <a:prstGeom prst="rect">
+            <a:avLst/>
+          </a:prstGeom>
+          <a:solidFill>
+            <a:schemeClr val="bg1"/>
+          </a:solidFill>
+          <a:ln w="28575">
+            <a:solidFill>
+              <a:srgbClr val="F59909"/>
+            </a:solidFill>
+          </a:ln>
+        </p:spPr>
+        <p:style>
+          <a:lnRef idx="2">
+            <a:schemeClr val="accent1">
+              <a:shade val="50000"/>
+            </a:schemeClr>
+          </a:lnRef>
+          <a:fillRef idx="1">
+            <a:schemeClr val="accent1"/>
+          </a:fillRef>
+          <a:effectRef idx="0">
+            <a:schemeClr val="accent1"/>
+          </a:effectRef>
+          <a:fontRef idx="minor">
+            <a:schemeClr val="lt1"/>
+          </a:fontRef>
+        </p:style>
+        <p:txBody>
+          <a:bodyPr rtlCol="0" anchor="ctr"/>
+          <a:p>
+            <a:pPr algn="l"/>
+            <a:r>
+              <a:rPr lang="zh-CN" altLang="en-US" sz="1200">
+                <a:solidFill>
+                  <a:schemeClr val="tx1"/>
+                </a:solidFill>
+                <a:sym typeface="+mn-ea"/>
+              </a:rPr>
+              <a:t>    /**</a:t>
+            </a:r>
+            <a:endParaRPr lang="zh-CN" altLang="en-US" sz="1200">
+              <a:solidFill>
+                <a:schemeClr val="tx1"/>
+              </a:solidFill>
+              <a:sym typeface="+mn-ea"/>
+            </a:endParaRPr>
+          </a:p>
+          <a:p>
+            <a:pPr algn="l"/>
+            <a:r>
+              <a:rPr lang="zh-CN" altLang="en-US" sz="1200">
+                <a:solidFill>
+                  <a:schemeClr val="tx1"/>
+                </a:solidFill>
+                <a:sym typeface="+mn-ea"/>
+              </a:rPr>
+              <a:t>     * 集合可以存放不同类型的数据,但是建议存储相同类型,不建议存储不同类型</a:t>
+            </a:r>
+            <a:endParaRPr lang="zh-CN" altLang="en-US" sz="1200">
+              <a:solidFill>
+                <a:schemeClr val="tx1"/>
+              </a:solidFill>
+              <a:sym typeface="+mn-ea"/>
+            </a:endParaRPr>
+          </a:p>
+          <a:p>
+            <a:pPr algn="l"/>
+            <a:r>
+              <a:rPr lang="zh-CN" altLang="en-US" sz="1200">
+                <a:solidFill>
+                  <a:schemeClr val="tx1"/>
+                </a:solidFill>
+                <a:sym typeface="+mn-ea"/>
+              </a:rPr>
+              <a:t>     */</a:t>
+            </a:r>
+            <a:endParaRPr lang="zh-CN" altLang="en-US" sz="1200">
+              <a:solidFill>
+                <a:schemeClr val="tx1"/>
+              </a:solidFill>
+              <a:sym typeface="+mn-ea"/>
+            </a:endParaRPr>
+          </a:p>
+          <a:p>
+            <a:pPr algn="l"/>
+            <a:r>
+              <a:rPr lang="zh-CN" altLang="en-US" sz="1200">
+                <a:solidFill>
+                  <a:schemeClr val="tx1"/>
+                </a:solidFill>
+                <a:sym typeface="+mn-ea"/>
+              </a:rPr>
+              <a:t>    @Test</a:t>
+            </a:r>
+            <a:endParaRPr lang="zh-CN" altLang="en-US" sz="1200">
+              <a:solidFill>
+                <a:schemeClr val="tx1"/>
+              </a:solidFill>
+              <a:sym typeface="+mn-ea"/>
+            </a:endParaRPr>
+          </a:p>
+          <a:p>
+            <a:pPr algn="l"/>
+            <a:r>
+              <a:rPr lang="zh-CN" altLang="en-US" sz="1200">
+                <a:solidFill>
+                  <a:schemeClr val="tx1"/>
+                </a:solidFill>
+                <a:sym typeface="+mn-ea"/>
+              </a:rPr>
+              <a:t>    public void testCollection3 () throws NoSuchMethodException, SecurityException, IllegalAccessException, IllegalArgumentException, InvocationTargetException {</a:t>
+            </a:r>
+            <a:endParaRPr lang="zh-CN" altLang="en-US" sz="1200">
+              <a:solidFill>
+                <a:schemeClr val="tx1"/>
+              </a:solidFill>
+              <a:sym typeface="+mn-ea"/>
+            </a:endParaRPr>
+          </a:p>
+          <a:p>
+            <a:pPr algn="l"/>
+            <a:r>
+              <a:rPr lang="zh-CN" altLang="en-US" sz="1200">
+                <a:solidFill>
+                  <a:schemeClr val="tx1"/>
+                </a:solidFill>
+                <a:sym typeface="+mn-ea"/>
+              </a:rPr>
+              <a:t>        List&lt;Integer&gt; lst = new ArrayList&lt;&gt;();</a:t>
+            </a:r>
+            <a:endParaRPr lang="zh-CN" altLang="en-US" sz="1200">
+              <a:solidFill>
+                <a:schemeClr val="tx1"/>
+              </a:solidFill>
+              <a:sym typeface="+mn-ea"/>
+            </a:endParaRPr>
+          </a:p>
+          <a:p>
+            <a:pPr algn="l"/>
+            <a:r>
+              <a:rPr lang="zh-CN" altLang="en-US" sz="1200">
+                <a:solidFill>
+                  <a:schemeClr val="tx1"/>
+                </a:solidFill>
+                <a:sym typeface="+mn-ea"/>
+              </a:rPr>
+              <a:t>        </a:t>
+            </a:r>
+            <a:endParaRPr lang="zh-CN" altLang="en-US" sz="1200">
+              <a:solidFill>
+                <a:schemeClr val="tx1"/>
+              </a:solidFill>
+              <a:sym typeface="+mn-ea"/>
+            </a:endParaRPr>
+          </a:p>
+          <a:p>
+            <a:pPr algn="l"/>
+            <a:r>
+              <a:rPr lang="zh-CN" altLang="en-US" sz="1200">
+                <a:solidFill>
+                  <a:schemeClr val="tx1"/>
+                </a:solidFill>
+                <a:sym typeface="+mn-ea"/>
+              </a:rPr>
+              <a:t>        // boolean add(E e);</a:t>
+            </a:r>
+            <a:endParaRPr lang="zh-CN" altLang="en-US" sz="1200">
+              <a:solidFill>
+                <a:schemeClr val="tx1"/>
+              </a:solidFill>
+              <a:sym typeface="+mn-ea"/>
+            </a:endParaRPr>
+          </a:p>
+          <a:p>
+            <a:pPr algn="l"/>
+            <a:r>
+              <a:rPr lang="zh-CN" altLang="en-US" sz="1200">
+                <a:solidFill>
+                  <a:schemeClr val="tx1"/>
+                </a:solidFill>
+                <a:sym typeface="+mn-ea"/>
+              </a:rPr>
+              <a:t>        lst.add(10);</a:t>
+            </a:r>
+            <a:endParaRPr lang="zh-CN" altLang="en-US" sz="1200">
+              <a:solidFill>
+                <a:schemeClr val="tx1"/>
+              </a:solidFill>
+              <a:sym typeface="+mn-ea"/>
+            </a:endParaRPr>
+          </a:p>
+          <a:p>
+            <a:pPr algn="l"/>
+            <a:r>
+              <a:rPr lang="zh-CN" altLang="en-US" sz="1200">
+                <a:solidFill>
+                  <a:schemeClr val="tx1"/>
+                </a:solidFill>
+                <a:sym typeface="+mn-ea"/>
+              </a:rPr>
+              <a:t>        </a:t>
+            </a:r>
+            <a:endParaRPr lang="zh-CN" altLang="en-US" sz="1200">
+              <a:solidFill>
+                <a:schemeClr val="tx1"/>
+              </a:solidFill>
+              <a:sym typeface="+mn-ea"/>
+            </a:endParaRPr>
+          </a:p>
+          <a:p>
+            <a:pPr algn="l"/>
+            <a:r>
+              <a:rPr lang="zh-CN" altLang="en-US" sz="1200">
+                <a:solidFill>
+                  <a:schemeClr val="tx1"/>
+                </a:solidFill>
+                <a:sym typeface="+mn-ea"/>
+              </a:rPr>
+              <a:t>        Method add = lst.getClass().getDeclaredMethod("add", Object.class);</a:t>
+            </a:r>
+            <a:endParaRPr lang="zh-CN" altLang="en-US" sz="1200">
+              <a:solidFill>
+                <a:schemeClr val="tx1"/>
+              </a:solidFill>
+              <a:sym typeface="+mn-ea"/>
+            </a:endParaRPr>
+          </a:p>
+          <a:p>
+            <a:pPr algn="l"/>
+            <a:r>
+              <a:rPr lang="zh-CN" altLang="en-US" sz="1200">
+                <a:solidFill>
+                  <a:schemeClr val="tx1"/>
+                </a:solidFill>
+                <a:sym typeface="+mn-ea"/>
+              </a:rPr>
+              <a:t>        add.invoke(lst, 'a');</a:t>
+            </a:r>
+            <a:endParaRPr lang="zh-CN" altLang="en-US" sz="1200">
+              <a:solidFill>
+                <a:schemeClr val="tx1"/>
+              </a:solidFill>
+              <a:sym typeface="+mn-ea"/>
+            </a:endParaRPr>
+          </a:p>
+          <a:p>
+            <a:pPr algn="l"/>
+            <a:r>
+              <a:rPr lang="zh-CN" altLang="en-US" sz="1200">
+                <a:solidFill>
+                  <a:schemeClr val="tx1"/>
+                </a:solidFill>
+                <a:sym typeface="+mn-ea"/>
+              </a:rPr>
+              <a:t>        </a:t>
+            </a:r>
+            <a:endParaRPr lang="zh-CN" altLang="en-US" sz="1200">
+              <a:solidFill>
+                <a:schemeClr val="tx1"/>
+              </a:solidFill>
+              <a:sym typeface="+mn-ea"/>
+            </a:endParaRPr>
+          </a:p>
+          <a:p>
+            <a:pPr algn="l"/>
+            <a:r>
+              <a:rPr lang="zh-CN" altLang="en-US" sz="1200">
+                <a:solidFill>
+                  <a:schemeClr val="tx1"/>
+                </a:solidFill>
+                <a:sym typeface="+mn-ea"/>
+              </a:rPr>
+              <a:t>        System.out.println(lst);</a:t>
+            </a:r>
+            <a:endParaRPr lang="zh-CN" altLang="en-US" sz="1200">
+              <a:solidFill>
+                <a:schemeClr val="tx1"/>
+              </a:solidFill>
+              <a:sym typeface="+mn-ea"/>
+            </a:endParaRPr>
+          </a:p>
+          <a:p>
+            <a:pPr algn="l"/>
+            <a:r>
+              <a:rPr lang="zh-CN" altLang="en-US" sz="1200">
+                <a:solidFill>
+                  <a:schemeClr val="tx1"/>
+                </a:solidFill>
+                <a:sym typeface="+mn-ea"/>
+              </a:rPr>
+              <a:t>    }</a:t>
+            </a:r>
+            <a:endParaRPr lang="zh-CN" altLang="en-US" sz="1200">
+              <a:solidFill>
+                <a:schemeClr val="tx1"/>
+              </a:solidFill>
+              <a:sym typeface="+mn-ea"/>
+            </a:endParaRPr>
+          </a:p>
+        </p:txBody>
+      </p:sp>
+      <p:sp>
+        <p:nvSpPr>
+          <p:cNvPr id="2" name="矩形 1"/>
+          <p:cNvSpPr/>
+          <p:nvPr/>
+        </p:nvSpPr>
+        <p:spPr>
+          <a:xfrm>
+            <a:off x="8242300" y="3911600"/>
+            <a:ext cx="3215640" cy="462915"/>
           </a:xfrm>
           <a:prstGeom prst="rect">
             <a:avLst/>
@@ -47622,18 +48794,16 @@
           <a:p>
             <a:pPr algn="ctr"/>
             <a:r>
-              <a:rPr lang="zh-CN" altLang="en-US" sz="1200">
-                <a:sym typeface="+mn-ea"/>
-              </a:rPr>
-              <a:t>对象排序接口</a:t>
-            </a:r>
-            <a:endParaRPr lang="zh-CN" altLang="en-US" sz="1200"/>
+              <a:rPr lang="zh-CN"/>
+              <a:t>集合特性：建议存相同类型</a:t>
+            </a:r>
+            <a:endParaRPr lang="zh-CN"/>
           </a:p>
         </p:txBody>
       </p:sp>
     </p:spTree>
     <p:custDataLst>
-      <p:tags r:id="rId3"/>
+      <p:tags r:id="rId2"/>
     </p:custDataLst>
   </p:cSld>
   <p:clrMapOvr>
@@ -49608,6 +50778,84 @@
           </a:p>
         </p:txBody>
       </p:sp>
+      <p:sp>
+        <p:nvSpPr>
+          <p:cNvPr id="5" name="云形标注 4"/>
+          <p:cNvSpPr/>
+          <p:nvPr/>
+        </p:nvSpPr>
+        <p:spPr>
+          <a:xfrm>
+            <a:off x="9325610" y="1096645"/>
+            <a:ext cx="2258695" cy="1302385"/>
+          </a:xfrm>
+          <a:prstGeom prst="cloudCallout">
+            <a:avLst>
+              <a:gd name="adj1" fmla="val -77298"/>
+              <a:gd name="adj2" fmla="val 47025"/>
+            </a:avLst>
+          </a:prstGeom>
+          <a:solidFill>
+            <a:srgbClr val="DBEEDF"/>
+          </a:solidFill>
+          <a:ln>
+            <a:solidFill>
+              <a:srgbClr val="DBEEDF"/>
+            </a:solidFill>
+          </a:ln>
+        </p:spPr>
+        <p:style>
+          <a:lnRef idx="2">
+            <a:schemeClr val="accent1">
+              <a:shade val="50000"/>
+            </a:schemeClr>
+          </a:lnRef>
+          <a:fillRef idx="1">
+            <a:schemeClr val="accent1"/>
+          </a:fillRef>
+          <a:effectRef idx="0">
+            <a:schemeClr val="accent1"/>
+          </a:effectRef>
+          <a:fontRef idx="minor">
+            <a:schemeClr val="lt1"/>
+          </a:fontRef>
+        </p:style>
+        <p:txBody>
+          <a:bodyPr rtlCol="0" anchor="ctr"/>
+          <a:p>
+            <a:pPr algn="ctr"/>
+            <a:r>
+              <a:rPr lang="zh-CN" altLang="en-US">
+                <a:solidFill>
+                  <a:srgbClr val="F7AF3F"/>
+                </a:solidFill>
+              </a:rPr>
+              <a:t>能力拓展</a:t>
+            </a:r>
+            <a:endParaRPr lang="zh-CN" altLang="en-US">
+              <a:solidFill>
+                <a:srgbClr val="F7AF3F"/>
+              </a:solidFill>
+            </a:endParaRPr>
+          </a:p>
+          <a:p>
+            <a:pPr algn="ctr"/>
+            <a:r>
+              <a:rPr lang="zh-CN" altLang="en-US">
+                <a:solidFill>
+                  <a:srgbClr val="F7AF3F"/>
+                </a:solidFill>
+              </a:rPr>
+              <a:t>（课后自学）</a:t>
+            </a:r>
+            <a:endParaRPr lang="zh-CN" altLang="en-US">
+              <a:solidFill>
+                <a:srgbClr val="F7AF3F"/>
+              </a:solidFill>
+            </a:endParaRPr>
+          </a:p>
+        </p:txBody>
+      </p:sp>
     </p:spTree>
     <p:custDataLst>
       <p:tags r:id="rId2"/>
@@ -51553,6 +52801,84 @@
               <a:t>实现发布订阅</a:t>
             </a:r>
             <a:endParaRPr lang="zh-CN" altLang="en-US"/>
+          </a:p>
+        </p:txBody>
+      </p:sp>
+      <p:sp>
+        <p:nvSpPr>
+          <p:cNvPr id="5" name="云形标注 4"/>
+          <p:cNvSpPr/>
+          <p:nvPr/>
+        </p:nvSpPr>
+        <p:spPr>
+          <a:xfrm>
+            <a:off x="9617075" y="2954655"/>
+            <a:ext cx="2258695" cy="1302385"/>
+          </a:xfrm>
+          <a:prstGeom prst="cloudCallout">
+            <a:avLst>
+              <a:gd name="adj1" fmla="val -77298"/>
+              <a:gd name="adj2" fmla="val 47025"/>
+            </a:avLst>
+          </a:prstGeom>
+          <a:solidFill>
+            <a:srgbClr val="DBEEDF"/>
+          </a:solidFill>
+          <a:ln>
+            <a:solidFill>
+              <a:srgbClr val="DBEEDF"/>
+            </a:solidFill>
+          </a:ln>
+        </p:spPr>
+        <p:style>
+          <a:lnRef idx="2">
+            <a:schemeClr val="accent1">
+              <a:shade val="50000"/>
+            </a:schemeClr>
+          </a:lnRef>
+          <a:fillRef idx="1">
+            <a:schemeClr val="accent1"/>
+          </a:fillRef>
+          <a:effectRef idx="0">
+            <a:schemeClr val="accent1"/>
+          </a:effectRef>
+          <a:fontRef idx="minor">
+            <a:schemeClr val="lt1"/>
+          </a:fontRef>
+        </p:style>
+        <p:txBody>
+          <a:bodyPr rtlCol="0" anchor="ctr"/>
+          <a:p>
+            <a:pPr algn="ctr"/>
+            <a:r>
+              <a:rPr lang="zh-CN" altLang="en-US">
+                <a:solidFill>
+                  <a:srgbClr val="F7AF3F"/>
+                </a:solidFill>
+              </a:rPr>
+              <a:t>能力拓展</a:t>
+            </a:r>
+            <a:endParaRPr lang="zh-CN" altLang="en-US">
+              <a:solidFill>
+                <a:srgbClr val="F7AF3F"/>
+              </a:solidFill>
+            </a:endParaRPr>
+          </a:p>
+          <a:p>
+            <a:pPr algn="ctr"/>
+            <a:r>
+              <a:rPr lang="zh-CN" altLang="en-US">
+                <a:solidFill>
+                  <a:srgbClr val="F7AF3F"/>
+                </a:solidFill>
+              </a:rPr>
+              <a:t>（课后自学）</a:t>
+            </a:r>
+            <a:endParaRPr lang="zh-CN" altLang="en-US">
+              <a:solidFill>
+                <a:srgbClr val="F7AF3F"/>
+              </a:solidFill>
+            </a:endParaRPr>
           </a:p>
         </p:txBody>
       </p:sp>
@@ -51622,455 +52948,16 @@
       <p:grpSpPr/>
       <p:sp>
         <p:nvSpPr>
-          <p:cNvPr id="3" name="矩形 2"/>
+          <p:cNvPr id="3" name="圆角矩形 2"/>
           <p:cNvSpPr/>
           <p:nvPr/>
         </p:nvSpPr>
         <p:spPr>
           <a:xfrm>
-            <a:off x="240665" y="788670"/>
-            <a:ext cx="5060315" cy="4302125"/>
+            <a:off x="3453765" y="2649855"/>
+            <a:ext cx="5045710" cy="1202055"/>
           </a:xfrm>
-          <a:prstGeom prst="rect">
-            <a:avLst/>
-          </a:prstGeom>
-          <a:solidFill>
-            <a:schemeClr val="bg1"/>
-          </a:solidFill>
-          <a:ln w="28575">
-            <a:solidFill>
-              <a:srgbClr val="F59909"/>
-            </a:solidFill>
-          </a:ln>
-        </p:spPr>
-        <p:style>
-          <a:lnRef idx="2">
-            <a:schemeClr val="accent1">
-              <a:shade val="50000"/>
-            </a:schemeClr>
-          </a:lnRef>
-          <a:fillRef idx="1">
-            <a:schemeClr val="accent1"/>
-          </a:fillRef>
-          <a:effectRef idx="0">
-            <a:schemeClr val="accent1"/>
-          </a:effectRef>
-          <a:fontRef idx="minor">
-            <a:schemeClr val="lt1"/>
-          </a:fontRef>
-        </p:style>
-        <p:txBody>
-          <a:bodyPr rtlCol="0" anchor="ctr"/>
-          <a:p>
-            <a:pPr algn="l"/>
-            <a:r>
-              <a:rPr lang="zh-CN" altLang="en-US" sz="1200">
-                <a:solidFill>
-                  <a:schemeClr val="tx1"/>
-                </a:solidFill>
-                <a:sym typeface="+mn-ea"/>
-              </a:rPr>
-              <a:t>    /**</a:t>
-            </a:r>
-            <a:endParaRPr lang="zh-CN" altLang="en-US" sz="1200">
-              <a:solidFill>
-                <a:schemeClr val="tx1"/>
-              </a:solidFill>
-              <a:sym typeface="+mn-ea"/>
-            </a:endParaRPr>
-          </a:p>
-          <a:p>
-            <a:pPr algn="l"/>
-            <a:r>
-              <a:rPr lang="zh-CN" altLang="en-US" sz="1200">
-                <a:solidFill>
-                  <a:schemeClr val="tx1"/>
-                </a:solidFill>
-                <a:sym typeface="+mn-ea"/>
-              </a:rPr>
-              <a:t>     * 测试数组和集合的区别</a:t>
-            </a:r>
-            <a:endParaRPr lang="zh-CN" altLang="en-US" sz="1200">
-              <a:solidFill>
-                <a:schemeClr val="tx1"/>
-              </a:solidFill>
-              <a:sym typeface="+mn-ea"/>
-            </a:endParaRPr>
-          </a:p>
-          <a:p>
-            <a:pPr algn="l"/>
-            <a:r>
-              <a:rPr lang="zh-CN" altLang="en-US" sz="1200">
-                <a:solidFill>
-                  <a:schemeClr val="tx1"/>
-                </a:solidFill>
-                <a:sym typeface="+mn-ea"/>
-              </a:rPr>
-              <a:t>     * 1、数组长度固定，集合的长度不固定</a:t>
-            </a:r>
-            <a:endParaRPr lang="zh-CN" altLang="en-US" sz="1200">
-              <a:solidFill>
-                <a:schemeClr val="tx1"/>
-              </a:solidFill>
-              <a:sym typeface="+mn-ea"/>
-            </a:endParaRPr>
-          </a:p>
-          <a:p>
-            <a:pPr algn="l"/>
-            <a:r>
-              <a:rPr lang="zh-CN" altLang="en-US" sz="1200">
-                <a:solidFill>
-                  <a:schemeClr val="tx1"/>
-                </a:solidFill>
-                <a:sym typeface="+mn-ea"/>
-              </a:rPr>
-              <a:t>     * 2、数组长度使用的是 length 属性,集合的长度使用的是 size() 方法</a:t>
-            </a:r>
-            <a:endParaRPr lang="zh-CN" altLang="en-US" sz="1200">
-              <a:solidFill>
-                <a:schemeClr val="tx1"/>
-              </a:solidFill>
-              <a:sym typeface="+mn-ea"/>
-            </a:endParaRPr>
-          </a:p>
-          <a:p>
-            <a:pPr algn="l"/>
-            <a:r>
-              <a:rPr lang="zh-CN" altLang="en-US" sz="1200">
-                <a:solidFill>
-                  <a:schemeClr val="tx1"/>
-                </a:solidFill>
-                <a:sym typeface="+mn-ea"/>
-              </a:rPr>
-              <a:t>     * 数组可以是基本类型,集合只可以是引用类型</a:t>
-            </a:r>
-            <a:endParaRPr lang="zh-CN" altLang="en-US" sz="1200">
-              <a:solidFill>
-                <a:schemeClr val="tx1"/>
-              </a:solidFill>
-              <a:sym typeface="+mn-ea"/>
-            </a:endParaRPr>
-          </a:p>
-          <a:p>
-            <a:pPr algn="l"/>
-            <a:r>
-              <a:rPr lang="zh-CN" altLang="en-US" sz="1200">
-                <a:solidFill>
-                  <a:schemeClr val="tx1"/>
-                </a:solidFill>
-                <a:sym typeface="+mn-ea"/>
-              </a:rPr>
-              <a:t>     */</a:t>
-            </a:r>
-            <a:endParaRPr lang="zh-CN" altLang="en-US" sz="1200">
-              <a:solidFill>
-                <a:schemeClr val="tx1"/>
-              </a:solidFill>
-              <a:sym typeface="+mn-ea"/>
-            </a:endParaRPr>
-          </a:p>
-          <a:p>
-            <a:pPr algn="l"/>
-            <a:r>
-              <a:rPr lang="zh-CN" altLang="en-US" sz="1200">
-                <a:solidFill>
-                  <a:schemeClr val="tx1"/>
-                </a:solidFill>
-                <a:sym typeface="+mn-ea"/>
-              </a:rPr>
-              <a:t>    @Test</a:t>
-            </a:r>
-            <a:endParaRPr lang="zh-CN" altLang="en-US" sz="1200">
-              <a:solidFill>
-                <a:schemeClr val="tx1"/>
-              </a:solidFill>
-              <a:sym typeface="+mn-ea"/>
-            </a:endParaRPr>
-          </a:p>
-          <a:p>
-            <a:pPr algn="l"/>
-            <a:r>
-              <a:rPr lang="zh-CN" altLang="en-US" sz="1200">
-                <a:solidFill>
-                  <a:schemeClr val="tx1"/>
-                </a:solidFill>
-                <a:sym typeface="+mn-ea"/>
-              </a:rPr>
-              <a:t>    public void testCollection () {</a:t>
-            </a:r>
-            <a:endParaRPr lang="zh-CN" altLang="en-US" sz="1200">
-              <a:solidFill>
-                <a:schemeClr val="tx1"/>
-              </a:solidFill>
-              <a:sym typeface="+mn-ea"/>
-            </a:endParaRPr>
-          </a:p>
-          <a:p>
-            <a:pPr algn="l"/>
-            <a:r>
-              <a:rPr lang="zh-CN" altLang="en-US" sz="1200">
-                <a:solidFill>
-                  <a:schemeClr val="tx1"/>
-                </a:solidFill>
-                <a:sym typeface="+mn-ea"/>
-              </a:rPr>
-              <a:t>        char[] chars = "helloworld".toCharArray();</a:t>
-            </a:r>
-            <a:endParaRPr lang="zh-CN" altLang="en-US" sz="1200">
-              <a:solidFill>
-                <a:schemeClr val="tx1"/>
-              </a:solidFill>
-              <a:sym typeface="+mn-ea"/>
-            </a:endParaRPr>
-          </a:p>
-          <a:p>
-            <a:pPr algn="l"/>
-            <a:r>
-              <a:rPr lang="zh-CN" altLang="en-US" sz="1200">
-                <a:solidFill>
-                  <a:schemeClr val="tx1"/>
-                </a:solidFill>
-                <a:sym typeface="+mn-ea"/>
-              </a:rPr>
-              <a:t>        System.out.println(chars.length);</a:t>
-            </a:r>
-            <a:endParaRPr lang="zh-CN" altLang="en-US" sz="1200">
-              <a:solidFill>
-                <a:schemeClr val="tx1"/>
-              </a:solidFill>
-              <a:sym typeface="+mn-ea"/>
-            </a:endParaRPr>
-          </a:p>
-          <a:p>
-            <a:pPr algn="l"/>
-            <a:r>
-              <a:rPr lang="zh-CN" altLang="en-US" sz="1200">
-                <a:solidFill>
-                  <a:schemeClr val="tx1"/>
-                </a:solidFill>
-                <a:sym typeface="+mn-ea"/>
-              </a:rPr>
-              <a:t>        </a:t>
-            </a:r>
-            <a:endParaRPr lang="zh-CN" altLang="en-US" sz="1200">
-              <a:solidFill>
-                <a:schemeClr val="tx1"/>
-              </a:solidFill>
-              <a:sym typeface="+mn-ea"/>
-            </a:endParaRPr>
-          </a:p>
-          <a:p>
-            <a:pPr algn="l"/>
-            <a:r>
-              <a:rPr lang="zh-CN" altLang="en-US" sz="1200">
-                <a:solidFill>
-                  <a:schemeClr val="tx1"/>
-                </a:solidFill>
-                <a:sym typeface="+mn-ea"/>
-              </a:rPr>
-              <a:t>        // 循环 100 次,随机产生一个数,存储所有的偶数</a:t>
-            </a:r>
-            <a:endParaRPr lang="zh-CN" altLang="en-US" sz="1200">
-              <a:solidFill>
-                <a:schemeClr val="tx1"/>
-              </a:solidFill>
-              <a:sym typeface="+mn-ea"/>
-            </a:endParaRPr>
-          </a:p>
-          <a:p>
-            <a:pPr algn="l"/>
-            <a:r>
-              <a:rPr lang="zh-CN" altLang="en-US" sz="1200">
-                <a:solidFill>
-                  <a:schemeClr val="tx1"/>
-                </a:solidFill>
-                <a:sym typeface="+mn-ea"/>
-              </a:rPr>
-              <a:t>        List&lt;Integer&gt; evenNumberList = new ArrayList&lt;&gt;(); </a:t>
-            </a:r>
-            <a:endParaRPr lang="zh-CN" altLang="en-US" sz="1200">
-              <a:solidFill>
-                <a:schemeClr val="tx1"/>
-              </a:solidFill>
-              <a:sym typeface="+mn-ea"/>
-            </a:endParaRPr>
-          </a:p>
-          <a:p>
-            <a:pPr algn="l"/>
-            <a:r>
-              <a:rPr lang="zh-CN" altLang="en-US" sz="1200">
-                <a:solidFill>
-                  <a:schemeClr val="tx1"/>
-                </a:solidFill>
-                <a:sym typeface="+mn-ea"/>
-              </a:rPr>
-              <a:t>        Random random = new Random();</a:t>
-            </a:r>
-            <a:endParaRPr lang="zh-CN" altLang="en-US" sz="1200">
-              <a:solidFill>
-                <a:schemeClr val="tx1"/>
-              </a:solidFill>
-              <a:sym typeface="+mn-ea"/>
-            </a:endParaRPr>
-          </a:p>
-          <a:p>
-            <a:pPr algn="l"/>
-            <a:r>
-              <a:rPr lang="zh-CN" altLang="en-US" sz="1200">
-                <a:solidFill>
-                  <a:schemeClr val="tx1"/>
-                </a:solidFill>
-                <a:sym typeface="+mn-ea"/>
-              </a:rPr>
-              <a:t>        for (int i=0; i&lt;100; i++) {</a:t>
-            </a:r>
-            <a:endParaRPr lang="zh-CN" altLang="en-US" sz="1200">
-              <a:solidFill>
-                <a:schemeClr val="tx1"/>
-              </a:solidFill>
-              <a:sym typeface="+mn-ea"/>
-            </a:endParaRPr>
-          </a:p>
-          <a:p>
-            <a:pPr algn="l"/>
-            <a:r>
-              <a:rPr lang="zh-CN" altLang="en-US" sz="1200">
-                <a:solidFill>
-                  <a:schemeClr val="tx1"/>
-                </a:solidFill>
-                <a:sym typeface="+mn-ea"/>
-              </a:rPr>
-              <a:t>            int number = random.nextInt(100);</a:t>
-            </a:r>
-            <a:endParaRPr lang="zh-CN" altLang="en-US" sz="1200">
-              <a:solidFill>
-                <a:schemeClr val="tx1"/>
-              </a:solidFill>
-              <a:sym typeface="+mn-ea"/>
-            </a:endParaRPr>
-          </a:p>
-          <a:p>
-            <a:pPr algn="l"/>
-            <a:r>
-              <a:rPr lang="zh-CN" altLang="en-US" sz="1200">
-                <a:solidFill>
-                  <a:schemeClr val="tx1"/>
-                </a:solidFill>
-                <a:sym typeface="+mn-ea"/>
-              </a:rPr>
-              <a:t>            if (number % 2 == 0) {</a:t>
-            </a:r>
-            <a:endParaRPr lang="zh-CN" altLang="en-US" sz="1200">
-              <a:solidFill>
-                <a:schemeClr val="tx1"/>
-              </a:solidFill>
-              <a:sym typeface="+mn-ea"/>
-            </a:endParaRPr>
-          </a:p>
-          <a:p>
-            <a:pPr algn="l"/>
-            <a:r>
-              <a:rPr lang="zh-CN" altLang="en-US" sz="1200">
-                <a:solidFill>
-                  <a:schemeClr val="tx1"/>
-                </a:solidFill>
-                <a:sym typeface="+mn-ea"/>
-              </a:rPr>
-              <a:t>                evenNumberList.add(number);</a:t>
-            </a:r>
-            <a:endParaRPr lang="zh-CN" altLang="en-US" sz="1200">
-              <a:solidFill>
-                <a:schemeClr val="tx1"/>
-              </a:solidFill>
-              <a:sym typeface="+mn-ea"/>
-            </a:endParaRPr>
-          </a:p>
-          <a:p>
-            <a:pPr algn="l"/>
-            <a:r>
-              <a:rPr lang="zh-CN" altLang="en-US" sz="1200">
-                <a:solidFill>
-                  <a:schemeClr val="tx1"/>
-                </a:solidFill>
-                <a:sym typeface="+mn-ea"/>
-              </a:rPr>
-              <a:t>            }</a:t>
-            </a:r>
-            <a:endParaRPr lang="zh-CN" altLang="en-US" sz="1200">
-              <a:solidFill>
-                <a:schemeClr val="tx1"/>
-              </a:solidFill>
-              <a:sym typeface="+mn-ea"/>
-            </a:endParaRPr>
-          </a:p>
-          <a:p>
-            <a:pPr algn="l"/>
-            <a:r>
-              <a:rPr lang="zh-CN" altLang="en-US" sz="1200">
-                <a:solidFill>
-                  <a:schemeClr val="tx1"/>
-                </a:solidFill>
-                <a:sym typeface="+mn-ea"/>
-              </a:rPr>
-              <a:t>        }</a:t>
-            </a:r>
-            <a:endParaRPr lang="zh-CN" altLang="en-US" sz="1200">
-              <a:solidFill>
-                <a:schemeClr val="tx1"/>
-              </a:solidFill>
-              <a:sym typeface="+mn-ea"/>
-            </a:endParaRPr>
-          </a:p>
-          <a:p>
-            <a:pPr algn="l"/>
-            <a:r>
-              <a:rPr lang="zh-CN" altLang="en-US" sz="1200">
-                <a:solidFill>
-                  <a:schemeClr val="tx1"/>
-                </a:solidFill>
-                <a:sym typeface="+mn-ea"/>
-              </a:rPr>
-              <a:t>        System.out.println(evenNumberList.size());</a:t>
-            </a:r>
-            <a:endParaRPr lang="zh-CN" altLang="en-US" sz="1200">
-              <a:solidFill>
-                <a:schemeClr val="tx1"/>
-              </a:solidFill>
-              <a:sym typeface="+mn-ea"/>
-            </a:endParaRPr>
-          </a:p>
-          <a:p>
-            <a:pPr algn="l"/>
-            <a:r>
-              <a:rPr lang="zh-CN" altLang="en-US" sz="1200">
-                <a:solidFill>
-                  <a:schemeClr val="tx1"/>
-                </a:solidFill>
-                <a:sym typeface="+mn-ea"/>
-              </a:rPr>
-              <a:t>    }</a:t>
-            </a:r>
-            <a:endParaRPr lang="zh-CN" altLang="en-US" sz="1200">
-              <a:solidFill>
-                <a:schemeClr val="tx1"/>
-              </a:solidFill>
-              <a:sym typeface="+mn-ea"/>
-            </a:endParaRPr>
-          </a:p>
-        </p:txBody>
-      </p:sp>
-      <p:sp>
-        <p:nvSpPr>
-          <p:cNvPr id="7" name="矩形 6"/>
-          <p:cNvSpPr/>
-          <p:nvPr/>
-        </p:nvSpPr>
-        <p:spPr>
-          <a:xfrm>
-            <a:off x="2660015" y="5164455"/>
-            <a:ext cx="2640965" cy="456565"/>
-          </a:xfrm>
-          <a:prstGeom prst="rect">
+          <a:prstGeom prst="roundRect">
             <a:avLst/>
           </a:prstGeom>
           <a:solidFill>
@@ -52103,644 +52990,12 @@
           <a:p>
             <a:pPr algn="ctr"/>
             <a:r>
-              <a:rPr lang="zh-CN"/>
-              <a:t>集合特性：长度不固定</a:t>
-            </a:r>
-            <a:endParaRPr lang="zh-CN"/>
-          </a:p>
-        </p:txBody>
-      </p:sp>
-      <p:sp>
-        <p:nvSpPr>
-          <p:cNvPr id="5" name="矩形 4"/>
-          <p:cNvSpPr/>
-          <p:nvPr/>
-        </p:nvSpPr>
-        <p:spPr>
-          <a:xfrm>
-            <a:off x="5441315" y="788670"/>
-            <a:ext cx="5060315" cy="5558790"/>
-          </a:xfrm>
-          <a:prstGeom prst="rect">
-            <a:avLst/>
-          </a:prstGeom>
-          <a:solidFill>
-            <a:schemeClr val="bg1"/>
-          </a:solidFill>
-          <a:ln w="28575">
-            <a:solidFill>
-              <a:srgbClr val="F59909"/>
-            </a:solidFill>
-          </a:ln>
-        </p:spPr>
-        <p:style>
-          <a:lnRef idx="2">
-            <a:schemeClr val="accent1">
-              <a:shade val="50000"/>
-            </a:schemeClr>
-          </a:lnRef>
-          <a:fillRef idx="1">
-            <a:schemeClr val="accent1"/>
-          </a:fillRef>
-          <a:effectRef idx="0">
-            <a:schemeClr val="accent1"/>
-          </a:effectRef>
-          <a:fontRef idx="minor">
-            <a:schemeClr val="lt1"/>
-          </a:fontRef>
-        </p:style>
-        <p:txBody>
-          <a:bodyPr rtlCol="0" anchor="ctr"/>
-          <a:p>
-            <a:pPr algn="l"/>
-            <a:r>
-              <a:rPr lang="zh-CN" altLang="en-US" sz="1200">
-                <a:solidFill>
-                  <a:schemeClr val="tx1"/>
-                </a:solidFill>
-                <a:sym typeface="+mn-ea"/>
-              </a:rPr>
-              <a:t>    /**</a:t>
-            </a:r>
-            <a:endParaRPr lang="zh-CN" altLang="en-US" sz="1200">
-              <a:solidFill>
-                <a:schemeClr val="tx1"/>
-              </a:solidFill>
-              <a:sym typeface="+mn-ea"/>
-            </a:endParaRPr>
-          </a:p>
-          <a:p>
-            <a:pPr algn="l"/>
-            <a:r>
-              <a:rPr lang="zh-CN" altLang="en-US" sz="1200">
-                <a:solidFill>
-                  <a:schemeClr val="tx1"/>
-                </a:solidFill>
-                <a:sym typeface="+mn-ea"/>
-              </a:rPr>
-              <a:t>     * 证明集合中放入的元素是对象的引用，而不是对象本身</a:t>
-            </a:r>
-            <a:endParaRPr lang="zh-CN" altLang="en-US" sz="1200">
-              <a:solidFill>
-                <a:schemeClr val="tx1"/>
-              </a:solidFill>
-              <a:sym typeface="+mn-ea"/>
-            </a:endParaRPr>
-          </a:p>
-          <a:p>
-            <a:pPr algn="l"/>
-            <a:r>
-              <a:rPr lang="zh-CN" altLang="en-US" sz="1200">
-                <a:solidFill>
-                  <a:schemeClr val="tx1"/>
-                </a:solidFill>
-                <a:sym typeface="+mn-ea"/>
-              </a:rPr>
-              <a:t>     */</a:t>
-            </a:r>
-            <a:endParaRPr lang="zh-CN" altLang="en-US" sz="1200">
-              <a:solidFill>
-                <a:schemeClr val="tx1"/>
-              </a:solidFill>
-              <a:sym typeface="+mn-ea"/>
-            </a:endParaRPr>
-          </a:p>
-          <a:p>
-            <a:pPr algn="l"/>
-            <a:r>
-              <a:rPr lang="zh-CN" altLang="en-US" sz="1200">
-                <a:solidFill>
-                  <a:schemeClr val="tx1"/>
-                </a:solidFill>
-                <a:sym typeface="+mn-ea"/>
-              </a:rPr>
-              <a:t>    @Test</a:t>
-            </a:r>
-            <a:endParaRPr lang="zh-CN" altLang="en-US" sz="1200">
-              <a:solidFill>
-                <a:schemeClr val="tx1"/>
-              </a:solidFill>
-              <a:sym typeface="+mn-ea"/>
-            </a:endParaRPr>
-          </a:p>
-          <a:p>
-            <a:pPr algn="l"/>
-            <a:r>
-              <a:rPr lang="zh-CN" altLang="en-US" sz="1200">
-                <a:solidFill>
-                  <a:schemeClr val="tx1"/>
-                </a:solidFill>
-                <a:sym typeface="+mn-ea"/>
-              </a:rPr>
-              <a:t>    public void testCollection2 () {</a:t>
-            </a:r>
-            <a:endParaRPr lang="zh-CN" altLang="en-US" sz="1200">
-              <a:solidFill>
-                <a:schemeClr val="tx1"/>
-              </a:solidFill>
-              <a:sym typeface="+mn-ea"/>
-            </a:endParaRPr>
-          </a:p>
-          <a:p>
-            <a:pPr algn="l"/>
-            <a:r>
-              <a:rPr lang="zh-CN" altLang="en-US" sz="1200">
-                <a:solidFill>
-                  <a:schemeClr val="tx1"/>
-                </a:solidFill>
-                <a:sym typeface="+mn-ea"/>
-              </a:rPr>
-              <a:t>        List&lt;Person&gt; personList01 = new ArrayList&lt;&gt;();</a:t>
-            </a:r>
-            <a:endParaRPr lang="zh-CN" altLang="en-US" sz="1200">
-              <a:solidFill>
-                <a:schemeClr val="tx1"/>
-              </a:solidFill>
-              <a:sym typeface="+mn-ea"/>
-            </a:endParaRPr>
-          </a:p>
-          <a:p>
-            <a:pPr algn="l"/>
-            <a:r>
-              <a:rPr lang="zh-CN" altLang="en-US" sz="1200">
-                <a:solidFill>
-                  <a:schemeClr val="tx1"/>
-                </a:solidFill>
-                <a:sym typeface="+mn-ea"/>
-              </a:rPr>
-              <a:t>        List&lt;Person&gt; personList02 = new ArrayList&lt;&gt;();</a:t>
-            </a:r>
-            <a:endParaRPr lang="zh-CN" altLang="en-US" sz="1200">
-              <a:solidFill>
-                <a:schemeClr val="tx1"/>
-              </a:solidFill>
-              <a:sym typeface="+mn-ea"/>
-            </a:endParaRPr>
-          </a:p>
-          <a:p>
-            <a:pPr algn="l"/>
-            <a:r>
-              <a:rPr lang="zh-CN" altLang="en-US" sz="1200">
-                <a:solidFill>
-                  <a:schemeClr val="tx1"/>
-                </a:solidFill>
-                <a:sym typeface="+mn-ea"/>
-              </a:rPr>
-              <a:t>        </a:t>
-            </a:r>
-            <a:endParaRPr lang="zh-CN" altLang="en-US" sz="1200">
-              <a:solidFill>
-                <a:schemeClr val="tx1"/>
-              </a:solidFill>
-              <a:sym typeface="+mn-ea"/>
-            </a:endParaRPr>
-          </a:p>
-          <a:p>
-            <a:pPr algn="l"/>
-            <a:r>
-              <a:rPr lang="zh-CN" altLang="en-US" sz="1200">
-                <a:solidFill>
-                  <a:schemeClr val="tx1"/>
-                </a:solidFill>
-                <a:sym typeface="+mn-ea"/>
-              </a:rPr>
-              <a:t>        Person person = new Person();</a:t>
-            </a:r>
-            <a:endParaRPr lang="zh-CN" altLang="en-US" sz="1200">
-              <a:solidFill>
-                <a:schemeClr val="tx1"/>
-              </a:solidFill>
-              <a:sym typeface="+mn-ea"/>
-            </a:endParaRPr>
-          </a:p>
-          <a:p>
-            <a:pPr algn="l"/>
-            <a:r>
-              <a:rPr lang="zh-CN" altLang="en-US" sz="1200">
-                <a:solidFill>
-                  <a:schemeClr val="tx1"/>
-                </a:solidFill>
-                <a:sym typeface="+mn-ea"/>
-              </a:rPr>
-              <a:t>        person.setName("tom");</a:t>
-            </a:r>
-            <a:endParaRPr lang="zh-CN" altLang="en-US" sz="1200">
-              <a:solidFill>
-                <a:schemeClr val="tx1"/>
-              </a:solidFill>
-              <a:sym typeface="+mn-ea"/>
-            </a:endParaRPr>
-          </a:p>
-          <a:p>
-            <a:pPr algn="l"/>
-            <a:r>
-              <a:rPr lang="zh-CN" altLang="en-US" sz="1200">
-                <a:solidFill>
-                  <a:schemeClr val="tx1"/>
-                </a:solidFill>
-                <a:sym typeface="+mn-ea"/>
-              </a:rPr>
-              <a:t>        person.setAge(20);</a:t>
-            </a:r>
-            <a:endParaRPr lang="zh-CN" altLang="en-US" sz="1200">
-              <a:solidFill>
-                <a:schemeClr val="tx1"/>
-              </a:solidFill>
-              <a:sym typeface="+mn-ea"/>
-            </a:endParaRPr>
-          </a:p>
-          <a:p>
-            <a:pPr algn="l"/>
-            <a:r>
-              <a:rPr lang="zh-CN" altLang="en-US" sz="1200">
-                <a:solidFill>
-                  <a:schemeClr val="tx1"/>
-                </a:solidFill>
-                <a:sym typeface="+mn-ea"/>
-              </a:rPr>
-              <a:t>        </a:t>
-            </a:r>
-            <a:endParaRPr lang="zh-CN" altLang="en-US" sz="1200">
-              <a:solidFill>
-                <a:schemeClr val="tx1"/>
-              </a:solidFill>
-              <a:sym typeface="+mn-ea"/>
-            </a:endParaRPr>
-          </a:p>
-          <a:p>
-            <a:pPr algn="l"/>
-            <a:r>
-              <a:rPr lang="zh-CN" altLang="en-US" sz="1200">
-                <a:solidFill>
-                  <a:schemeClr val="tx1"/>
-                </a:solidFill>
-                <a:sym typeface="+mn-ea"/>
-              </a:rPr>
-              <a:t>        // 两个集合放入相同的元素</a:t>
-            </a:r>
-            <a:endParaRPr lang="zh-CN" altLang="en-US" sz="1200">
-              <a:solidFill>
-                <a:schemeClr val="tx1"/>
-              </a:solidFill>
-              <a:sym typeface="+mn-ea"/>
-            </a:endParaRPr>
-          </a:p>
-          <a:p>
-            <a:pPr algn="l"/>
-            <a:r>
-              <a:rPr lang="zh-CN" altLang="en-US" sz="1200">
-                <a:solidFill>
-                  <a:schemeClr val="tx1"/>
-                </a:solidFill>
-                <a:sym typeface="+mn-ea"/>
-              </a:rPr>
-              <a:t>        personList01.add(person);</a:t>
-            </a:r>
-            <a:endParaRPr lang="zh-CN" altLang="en-US" sz="1200">
-              <a:solidFill>
-                <a:schemeClr val="tx1"/>
-              </a:solidFill>
-              <a:sym typeface="+mn-ea"/>
-            </a:endParaRPr>
-          </a:p>
-          <a:p>
-            <a:pPr algn="l"/>
-            <a:r>
-              <a:rPr lang="zh-CN" altLang="en-US" sz="1200">
-                <a:solidFill>
-                  <a:schemeClr val="tx1"/>
-                </a:solidFill>
-                <a:sym typeface="+mn-ea"/>
-              </a:rPr>
-              <a:t>        personList02.add(person);</a:t>
-            </a:r>
-            <a:endParaRPr lang="zh-CN" altLang="en-US" sz="1200">
-              <a:solidFill>
-                <a:schemeClr val="tx1"/>
-              </a:solidFill>
-              <a:sym typeface="+mn-ea"/>
-            </a:endParaRPr>
-          </a:p>
-          <a:p>
-            <a:pPr algn="l"/>
-            <a:r>
-              <a:rPr lang="zh-CN" altLang="en-US" sz="1200">
-                <a:solidFill>
-                  <a:schemeClr val="tx1"/>
-                </a:solidFill>
-                <a:sym typeface="+mn-ea"/>
-              </a:rPr>
-              <a:t>        </a:t>
-            </a:r>
-            <a:endParaRPr lang="zh-CN" altLang="en-US" sz="1200">
-              <a:solidFill>
-                <a:schemeClr val="tx1"/>
-              </a:solidFill>
-              <a:sym typeface="+mn-ea"/>
-            </a:endParaRPr>
-          </a:p>
-          <a:p>
-            <a:pPr algn="l"/>
-            <a:r>
-              <a:rPr lang="zh-CN" altLang="en-US" sz="1200">
-                <a:solidFill>
-                  <a:schemeClr val="tx1"/>
-                </a:solidFill>
-                <a:sym typeface="+mn-ea"/>
-              </a:rPr>
-              <a:t>        System.out.println(personList01);</a:t>
-            </a:r>
-            <a:endParaRPr lang="zh-CN" altLang="en-US" sz="1200">
-              <a:solidFill>
-                <a:schemeClr val="tx1"/>
-              </a:solidFill>
-              <a:sym typeface="+mn-ea"/>
-            </a:endParaRPr>
-          </a:p>
-          <a:p>
-            <a:pPr algn="l"/>
-            <a:r>
-              <a:rPr lang="zh-CN" altLang="en-US" sz="1200">
-                <a:solidFill>
-                  <a:schemeClr val="tx1"/>
-                </a:solidFill>
-                <a:sym typeface="+mn-ea"/>
-              </a:rPr>
-              <a:t>        System.out.println(personList02);</a:t>
-            </a:r>
-            <a:endParaRPr lang="zh-CN" altLang="en-US" sz="1200">
-              <a:solidFill>
-                <a:schemeClr val="tx1"/>
-              </a:solidFill>
-              <a:sym typeface="+mn-ea"/>
-            </a:endParaRPr>
-          </a:p>
-          <a:p>
-            <a:pPr algn="l"/>
-            <a:r>
-              <a:rPr lang="zh-CN" altLang="en-US" sz="1200">
-                <a:solidFill>
-                  <a:schemeClr val="tx1"/>
-                </a:solidFill>
-                <a:sym typeface="+mn-ea"/>
-              </a:rPr>
-              <a:t>        </a:t>
-            </a:r>
-            <a:endParaRPr lang="zh-CN" altLang="en-US" sz="1200">
-              <a:solidFill>
-                <a:schemeClr val="tx1"/>
-              </a:solidFill>
-              <a:sym typeface="+mn-ea"/>
-            </a:endParaRPr>
-          </a:p>
-          <a:p>
-            <a:pPr algn="l"/>
-            <a:r>
-              <a:rPr lang="zh-CN" altLang="en-US" sz="1200">
-                <a:solidFill>
-                  <a:schemeClr val="tx1"/>
-                </a:solidFill>
-                <a:sym typeface="+mn-ea"/>
-              </a:rPr>
-              <a:t>        // 修改其中一个集合</a:t>
-            </a:r>
-            <a:endParaRPr lang="zh-CN" altLang="en-US" sz="1200">
-              <a:solidFill>
-                <a:schemeClr val="tx1"/>
-              </a:solidFill>
-              <a:sym typeface="+mn-ea"/>
-            </a:endParaRPr>
-          </a:p>
-          <a:p>
-            <a:pPr algn="l"/>
-            <a:r>
-              <a:rPr lang="zh-CN" altLang="en-US" sz="1200">
-                <a:solidFill>
-                  <a:schemeClr val="tx1"/>
-                </a:solidFill>
-                <a:sym typeface="+mn-ea"/>
-              </a:rPr>
-              <a:t>        for (Person pson : personList02) {</a:t>
-            </a:r>
-            <a:endParaRPr lang="zh-CN" altLang="en-US" sz="1200">
-              <a:solidFill>
-                <a:schemeClr val="tx1"/>
-              </a:solidFill>
-              <a:sym typeface="+mn-ea"/>
-            </a:endParaRPr>
-          </a:p>
-          <a:p>
-            <a:pPr algn="l"/>
-            <a:r>
-              <a:rPr lang="zh-CN" altLang="en-US" sz="1200">
-                <a:solidFill>
-                  <a:schemeClr val="tx1"/>
-                </a:solidFill>
-                <a:sym typeface="+mn-ea"/>
-              </a:rPr>
-              <a:t>            pson.setName("bob");</a:t>
-            </a:r>
-            <a:endParaRPr lang="zh-CN" altLang="en-US" sz="1200">
-              <a:solidFill>
-                <a:schemeClr val="tx1"/>
-              </a:solidFill>
-              <a:sym typeface="+mn-ea"/>
-            </a:endParaRPr>
-          </a:p>
-          <a:p>
-            <a:pPr algn="l"/>
-            <a:r>
-              <a:rPr lang="zh-CN" altLang="en-US" sz="1200">
-                <a:solidFill>
-                  <a:schemeClr val="tx1"/>
-                </a:solidFill>
-                <a:sym typeface="+mn-ea"/>
-              </a:rPr>
-              <a:t>            pson.setAge(30);</a:t>
-            </a:r>
-            <a:endParaRPr lang="zh-CN" altLang="en-US" sz="1200">
-              <a:solidFill>
-                <a:schemeClr val="tx1"/>
-              </a:solidFill>
-              <a:sym typeface="+mn-ea"/>
-            </a:endParaRPr>
-          </a:p>
-          <a:p>
-            <a:pPr algn="l"/>
-            <a:r>
-              <a:rPr lang="zh-CN" altLang="en-US" sz="1200">
-                <a:solidFill>
-                  <a:schemeClr val="tx1"/>
-                </a:solidFill>
-                <a:sym typeface="+mn-ea"/>
-              </a:rPr>
-              <a:t>        }</a:t>
-            </a:r>
-            <a:endParaRPr lang="zh-CN" altLang="en-US" sz="1200">
-              <a:solidFill>
-                <a:schemeClr val="tx1"/>
-              </a:solidFill>
-              <a:sym typeface="+mn-ea"/>
-            </a:endParaRPr>
-          </a:p>
-          <a:p>
-            <a:pPr algn="l"/>
-            <a:r>
-              <a:rPr lang="zh-CN" altLang="en-US" sz="1200">
-                <a:solidFill>
-                  <a:schemeClr val="tx1"/>
-                </a:solidFill>
-                <a:sym typeface="+mn-ea"/>
-              </a:rPr>
-              <a:t>        </a:t>
-            </a:r>
-            <a:endParaRPr lang="zh-CN" altLang="en-US" sz="1200">
-              <a:solidFill>
-                <a:schemeClr val="tx1"/>
-              </a:solidFill>
-              <a:sym typeface="+mn-ea"/>
-            </a:endParaRPr>
-          </a:p>
-          <a:p>
-            <a:pPr algn="l"/>
-            <a:r>
-              <a:rPr lang="zh-CN" altLang="en-US" sz="1200">
-                <a:solidFill>
-                  <a:schemeClr val="tx1"/>
-                </a:solidFill>
-                <a:sym typeface="+mn-ea"/>
-              </a:rPr>
-              <a:t>        // 另一个集合跟着改变</a:t>
-            </a:r>
-            <a:endParaRPr lang="zh-CN" altLang="en-US" sz="1200">
-              <a:solidFill>
-                <a:schemeClr val="tx1"/>
-              </a:solidFill>
-              <a:sym typeface="+mn-ea"/>
-            </a:endParaRPr>
-          </a:p>
-          <a:p>
-            <a:pPr algn="l"/>
-            <a:r>
-              <a:rPr lang="zh-CN" altLang="en-US" sz="1200">
-                <a:solidFill>
-                  <a:schemeClr val="tx1"/>
-                </a:solidFill>
-                <a:sym typeface="+mn-ea"/>
-              </a:rPr>
-              <a:t>        System.out.println(personList01);</a:t>
-            </a:r>
-            <a:endParaRPr lang="zh-CN" altLang="en-US" sz="1200">
-              <a:solidFill>
-                <a:schemeClr val="tx1"/>
-              </a:solidFill>
-              <a:sym typeface="+mn-ea"/>
-            </a:endParaRPr>
-          </a:p>
-          <a:p>
-            <a:pPr algn="l"/>
-            <a:r>
-              <a:rPr lang="zh-CN" altLang="en-US" sz="1200">
-                <a:solidFill>
-                  <a:schemeClr val="tx1"/>
-                </a:solidFill>
-                <a:sym typeface="+mn-ea"/>
-              </a:rPr>
-              <a:t>        // 集合对象重写了 toString 方法</a:t>
-            </a:r>
-            <a:endParaRPr lang="zh-CN" altLang="en-US" sz="1200">
-              <a:solidFill>
-                <a:schemeClr val="tx1"/>
-              </a:solidFill>
-              <a:sym typeface="+mn-ea"/>
-            </a:endParaRPr>
-          </a:p>
-          <a:p>
-            <a:pPr algn="l"/>
-            <a:r>
-              <a:rPr lang="zh-CN" altLang="en-US" sz="1200">
-                <a:solidFill>
-                  <a:schemeClr val="tx1"/>
-                </a:solidFill>
-                <a:sym typeface="+mn-ea"/>
-              </a:rPr>
-              <a:t>        System.out.println(personList02);</a:t>
-            </a:r>
-            <a:endParaRPr lang="zh-CN" altLang="en-US" sz="1200">
-              <a:solidFill>
-                <a:schemeClr val="tx1"/>
-              </a:solidFill>
-              <a:sym typeface="+mn-ea"/>
-            </a:endParaRPr>
-          </a:p>
-          <a:p>
-            <a:pPr algn="l"/>
-            <a:r>
-              <a:rPr lang="zh-CN" altLang="en-US" sz="1200">
-                <a:solidFill>
-                  <a:schemeClr val="tx1"/>
-                </a:solidFill>
-                <a:sym typeface="+mn-ea"/>
-              </a:rPr>
-              <a:t>    }</a:t>
-            </a:r>
-            <a:endParaRPr lang="zh-CN" altLang="en-US" sz="1200">
-              <a:solidFill>
-                <a:schemeClr val="tx1"/>
-              </a:solidFill>
-              <a:sym typeface="+mn-ea"/>
-            </a:endParaRPr>
-          </a:p>
-        </p:txBody>
-      </p:sp>
-      <p:sp>
-        <p:nvSpPr>
-          <p:cNvPr id="8" name="矩形 7"/>
-          <p:cNvSpPr/>
-          <p:nvPr/>
-        </p:nvSpPr>
-        <p:spPr>
-          <a:xfrm>
-            <a:off x="8606790" y="5164455"/>
-            <a:ext cx="2914015" cy="456565"/>
-          </a:xfrm>
-          <a:prstGeom prst="rect">
-            <a:avLst/>
-          </a:prstGeom>
-          <a:solidFill>
-            <a:srgbClr val="F59909"/>
-          </a:solidFill>
-          <a:ln>
-            <a:solidFill>
-              <a:schemeClr val="bg1"/>
-            </a:solidFill>
-          </a:ln>
-        </p:spPr>
-        <p:style>
-          <a:lnRef idx="2">
-            <a:schemeClr val="accent1">
-              <a:shade val="50000"/>
-            </a:schemeClr>
-          </a:lnRef>
-          <a:fillRef idx="1">
-            <a:schemeClr val="accent1"/>
-          </a:fillRef>
-          <a:effectRef idx="0">
-            <a:schemeClr val="accent1"/>
-          </a:effectRef>
-          <a:fontRef idx="minor">
-            <a:schemeClr val="lt1"/>
-          </a:fontRef>
-        </p:style>
-        <p:txBody>
-          <a:bodyPr rtlCol="0" anchor="ctr"/>
-          <a:p>
-            <a:pPr algn="ctr"/>
-            <a:r>
-              <a:rPr lang="zh-CN"/>
-              <a:t>集合特性：存储对象引用</a:t>
-            </a:r>
-            <a:endParaRPr lang="zh-CN"/>
+              <a:rPr lang="zh-CN" altLang="en-US" sz="3200">
+                <a:sym typeface="+mn-ea"/>
+              </a:rPr>
+              <a:t>集合的分类</a:t>
+            </a:r>
+            <a:endParaRPr lang="zh-CN" sz="3200"/>
           </a:p>
         </p:txBody>
       </p:sp>
@@ -52776,28 +53031,135 @@
         <p:nvPr/>
       </p:nvGrpSpPr>
       <p:grpSpPr/>
+      <p:pic>
+        <p:nvPicPr>
+          <p:cNvPr id="2" name="图片 1"/>
+          <p:cNvPicPr>
+            <a:picLocks noChangeAspect="1"/>
+          </p:cNvPicPr>
+          <p:nvPr/>
+        </p:nvPicPr>
+        <p:blipFill>
+          <a:blip r:embed="rId2"/>
+          <a:stretch>
+            <a:fillRect/>
+          </a:stretch>
+        </p:blipFill>
+        <p:spPr>
+          <a:xfrm>
+            <a:off x="4839335" y="166370"/>
+            <a:ext cx="7041515" cy="6691630"/>
+          </a:xfrm>
+          <a:prstGeom prst="rect">
+            <a:avLst/>
+          </a:prstGeom>
+        </p:spPr>
+      </p:pic>
       <p:sp>
         <p:nvSpPr>
-          <p:cNvPr id="6" name="矩形 5"/>
+          <p:cNvPr id="3" name="文本框 2"/>
+          <p:cNvSpPr txBox="1"/>
+          <p:nvPr/>
+        </p:nvSpPr>
+        <p:spPr>
+          <a:xfrm>
+            <a:off x="406400" y="1120140"/>
+            <a:ext cx="4062730" cy="2061210"/>
+          </a:xfrm>
+          <a:prstGeom prst="rect">
+            <a:avLst/>
+          </a:prstGeom>
+          <a:noFill/>
+        </p:spPr>
+        <p:txBody>
+          <a:bodyPr wrap="square" rtlCol="0">
+            <a:spAutoFit/>
+          </a:bodyPr>
+          <a:p>
+            <a:r>
+              <a:rPr lang="zh-CN" altLang="en-US" sz="1600">
+                <a:latin typeface="宋体" panose="02010600030101010101" pitchFamily="2" charset="-122"/>
+                <a:ea typeface="宋体" panose="02010600030101010101" pitchFamily="2" charset="-122"/>
+                <a:cs typeface="宋体" panose="02010600030101010101" pitchFamily="2" charset="-122"/>
+              </a:rPr>
+              <a:t>Java 集合框架主要包括两种类型的容器，一种是</a:t>
+            </a:r>
+            <a:r>
+              <a:rPr lang="zh-CN" altLang="en-US" sz="1600" b="1">
+                <a:solidFill>
+                  <a:srgbClr val="FF0000"/>
+                </a:solidFill>
+                <a:latin typeface="宋体" panose="02010600030101010101" pitchFamily="2" charset="-122"/>
+                <a:ea typeface="宋体" panose="02010600030101010101" pitchFamily="2" charset="-122"/>
+                <a:cs typeface="宋体" panose="02010600030101010101" pitchFamily="2" charset="-122"/>
+              </a:rPr>
+              <a:t>集合（Collection）</a:t>
+            </a:r>
+            <a:r>
+              <a:rPr lang="zh-CN" altLang="en-US" sz="1600">
+                <a:latin typeface="宋体" panose="02010600030101010101" pitchFamily="2" charset="-122"/>
+                <a:ea typeface="宋体" panose="02010600030101010101" pitchFamily="2" charset="-122"/>
+                <a:cs typeface="宋体" panose="02010600030101010101" pitchFamily="2" charset="-122"/>
+              </a:rPr>
+              <a:t>，存储一个元素集合，另一种是</a:t>
+            </a:r>
+            <a:r>
+              <a:rPr lang="zh-CN" altLang="en-US" sz="1600" b="1">
+                <a:solidFill>
+                  <a:srgbClr val="FF0000"/>
+                </a:solidFill>
+                <a:latin typeface="宋体" panose="02010600030101010101" pitchFamily="2" charset="-122"/>
+                <a:ea typeface="宋体" panose="02010600030101010101" pitchFamily="2" charset="-122"/>
+                <a:cs typeface="宋体" panose="02010600030101010101" pitchFamily="2" charset="-122"/>
+              </a:rPr>
+              <a:t>图（Map）</a:t>
+            </a:r>
+            <a:r>
+              <a:rPr lang="zh-CN" altLang="en-US" sz="1600">
+                <a:latin typeface="宋体" panose="02010600030101010101" pitchFamily="2" charset="-122"/>
+                <a:ea typeface="宋体" panose="02010600030101010101" pitchFamily="2" charset="-122"/>
+                <a:cs typeface="宋体" panose="02010600030101010101" pitchFamily="2" charset="-122"/>
+              </a:rPr>
+              <a:t>，存储键/值对映射。Collection 接口又有 3 种子类型，List、Set 和 Queue，再下面是一些抽象类，最后是具体实现类，常用的有 ArrayList、LinkedList、HashSet、LinkedHashSet、HashMap、LinkedHashMap 等等。</a:t>
+            </a:r>
+            <a:endParaRPr lang="zh-CN" altLang="en-US" sz="1600">
+              <a:latin typeface="宋体" panose="02010600030101010101" pitchFamily="2" charset="-122"/>
+              <a:ea typeface="宋体" panose="02010600030101010101" pitchFamily="2" charset="-122"/>
+              <a:cs typeface="宋体" panose="02010600030101010101" pitchFamily="2" charset="-122"/>
+            </a:endParaRPr>
+          </a:p>
+        </p:txBody>
+      </p:sp>
+      <p:sp>
+        <p:nvSpPr>
+          <p:cNvPr id="17" name="矩形 16"/>
           <p:cNvSpPr/>
           <p:nvPr/>
         </p:nvSpPr>
         <p:spPr>
           <a:xfrm>
-            <a:off x="323850" y="854710"/>
-            <a:ext cx="11544300" cy="2854960"/>
+            <a:off x="225425" y="1060450"/>
+            <a:ext cx="4424680" cy="2180590"/>
           </a:xfrm>
           <a:prstGeom prst="rect">
             <a:avLst/>
           </a:prstGeom>
-          <a:solidFill>
-            <a:schemeClr val="bg1"/>
-          </a:solidFill>
+          <a:noFill/>
           <a:ln w="28575">
             <a:solidFill>
-              <a:srgbClr val="F59909"/>
+              <a:srgbClr val="36A44E"/>
             </a:solidFill>
+            <a:prstDash val="dash"/>
           </a:ln>
+          <a:extLst>
+            <a:ext uri="{909E8E84-426E-40DD-AFC4-6F175D3DCCD1}">
+              <a14:hiddenFill xmlns:a14="http://schemas.microsoft.com/office/drawing/2010/main">
+                <a:solidFill>
+                  <a:schemeClr val="bg1"/>
+                </a:solidFill>
+              </a14:hiddenFill>
+            </a:ext>
+          </a:extLst>
         </p:spPr>
         <p:style>
           <a:lnRef idx="2">
@@ -52819,286 +53181,24 @@
           <a:bodyPr rtlCol="0" anchor="ctr"/>
           <a:p>
             <a:pPr algn="l"/>
-            <a:r>
-              <a:rPr lang="zh-CN" altLang="en-US" sz="1200">
-                <a:solidFill>
-                  <a:schemeClr val="tx1"/>
-                </a:solidFill>
-                <a:sym typeface="+mn-ea"/>
-              </a:rPr>
-              <a:t>    /**</a:t>
-            </a:r>
-            <a:endParaRPr lang="zh-CN" altLang="en-US" sz="1200">
-              <a:solidFill>
-                <a:schemeClr val="tx1"/>
-              </a:solidFill>
-              <a:sym typeface="+mn-ea"/>
-            </a:endParaRPr>
-          </a:p>
-          <a:p>
-            <a:pPr algn="l"/>
-            <a:r>
-              <a:rPr lang="zh-CN" altLang="en-US" sz="1200">
-                <a:solidFill>
-                  <a:schemeClr val="tx1"/>
-                </a:solidFill>
-                <a:sym typeface="+mn-ea"/>
-              </a:rPr>
-              <a:t>     * 集合可以存放不同类型的数据,但是建议存储相同类型,不建议存储不同类型</a:t>
-            </a:r>
-            <a:endParaRPr lang="zh-CN" altLang="en-US" sz="1200">
-              <a:solidFill>
-                <a:schemeClr val="tx1"/>
-              </a:solidFill>
-              <a:sym typeface="+mn-ea"/>
-            </a:endParaRPr>
-          </a:p>
-          <a:p>
-            <a:pPr algn="l"/>
-            <a:r>
-              <a:rPr lang="zh-CN" altLang="en-US" sz="1200">
-                <a:solidFill>
-                  <a:schemeClr val="tx1"/>
-                </a:solidFill>
-                <a:sym typeface="+mn-ea"/>
-              </a:rPr>
-              <a:t>     */</a:t>
-            </a:r>
-            <a:endParaRPr lang="zh-CN" altLang="en-US" sz="1200">
-              <a:solidFill>
-                <a:schemeClr val="tx1"/>
-              </a:solidFill>
-              <a:sym typeface="+mn-ea"/>
-            </a:endParaRPr>
-          </a:p>
-          <a:p>
-            <a:pPr algn="l"/>
-            <a:r>
-              <a:rPr lang="zh-CN" altLang="en-US" sz="1200">
-                <a:solidFill>
-                  <a:schemeClr val="tx1"/>
-                </a:solidFill>
-                <a:sym typeface="+mn-ea"/>
-              </a:rPr>
-              <a:t>    @Test</a:t>
-            </a:r>
-            <a:endParaRPr lang="zh-CN" altLang="en-US" sz="1200">
-              <a:solidFill>
-                <a:schemeClr val="tx1"/>
-              </a:solidFill>
-              <a:sym typeface="+mn-ea"/>
-            </a:endParaRPr>
-          </a:p>
-          <a:p>
-            <a:pPr algn="l"/>
-            <a:r>
-              <a:rPr lang="zh-CN" altLang="en-US" sz="1200">
-                <a:solidFill>
-                  <a:schemeClr val="tx1"/>
-                </a:solidFill>
-                <a:sym typeface="+mn-ea"/>
-              </a:rPr>
-              <a:t>    public void testCollection3 () throws NoSuchMethodException, SecurityException, IllegalAccessException, IllegalArgumentException, InvocationTargetException {</a:t>
-            </a:r>
-            <a:endParaRPr lang="zh-CN" altLang="en-US" sz="1200">
-              <a:solidFill>
-                <a:schemeClr val="tx1"/>
-              </a:solidFill>
-              <a:sym typeface="+mn-ea"/>
-            </a:endParaRPr>
-          </a:p>
-          <a:p>
-            <a:pPr algn="l"/>
-            <a:r>
-              <a:rPr lang="zh-CN" altLang="en-US" sz="1200">
-                <a:solidFill>
-                  <a:schemeClr val="tx1"/>
-                </a:solidFill>
-                <a:sym typeface="+mn-ea"/>
-              </a:rPr>
-              <a:t>        List&lt;Integer&gt; lst = new ArrayList&lt;&gt;();</a:t>
-            </a:r>
-            <a:endParaRPr lang="zh-CN" altLang="en-US" sz="1200">
-              <a:solidFill>
-                <a:schemeClr val="tx1"/>
-              </a:solidFill>
-              <a:sym typeface="+mn-ea"/>
-            </a:endParaRPr>
-          </a:p>
-          <a:p>
-            <a:pPr algn="l"/>
-            <a:r>
-              <a:rPr lang="zh-CN" altLang="en-US" sz="1200">
-                <a:solidFill>
-                  <a:schemeClr val="tx1"/>
-                </a:solidFill>
-                <a:sym typeface="+mn-ea"/>
-              </a:rPr>
-              <a:t>        </a:t>
-            </a:r>
-            <a:endParaRPr lang="zh-CN" altLang="en-US" sz="1200">
-              <a:solidFill>
-                <a:schemeClr val="tx1"/>
-              </a:solidFill>
-              <a:sym typeface="+mn-ea"/>
-            </a:endParaRPr>
-          </a:p>
-          <a:p>
-            <a:pPr algn="l"/>
-            <a:r>
-              <a:rPr lang="zh-CN" altLang="en-US" sz="1200">
-                <a:solidFill>
-                  <a:schemeClr val="tx1"/>
-                </a:solidFill>
-                <a:sym typeface="+mn-ea"/>
-              </a:rPr>
-              <a:t>        // boolean add(E e);</a:t>
-            </a:r>
-            <a:endParaRPr lang="zh-CN" altLang="en-US" sz="1200">
-              <a:solidFill>
-                <a:schemeClr val="tx1"/>
-              </a:solidFill>
-              <a:sym typeface="+mn-ea"/>
-            </a:endParaRPr>
-          </a:p>
-          <a:p>
-            <a:pPr algn="l"/>
-            <a:r>
-              <a:rPr lang="zh-CN" altLang="en-US" sz="1200">
-                <a:solidFill>
-                  <a:schemeClr val="tx1"/>
-                </a:solidFill>
-                <a:sym typeface="+mn-ea"/>
-              </a:rPr>
-              <a:t>        lst.add(10);</a:t>
-            </a:r>
-            <a:endParaRPr lang="zh-CN" altLang="en-US" sz="1200">
-              <a:solidFill>
-                <a:schemeClr val="tx1"/>
-              </a:solidFill>
-              <a:sym typeface="+mn-ea"/>
-            </a:endParaRPr>
-          </a:p>
-          <a:p>
-            <a:pPr algn="l"/>
-            <a:r>
-              <a:rPr lang="zh-CN" altLang="en-US" sz="1200">
-                <a:solidFill>
-                  <a:schemeClr val="tx1"/>
-                </a:solidFill>
-                <a:sym typeface="+mn-ea"/>
-              </a:rPr>
-              <a:t>        </a:t>
-            </a:r>
-            <a:endParaRPr lang="zh-CN" altLang="en-US" sz="1200">
-              <a:solidFill>
-                <a:schemeClr val="tx1"/>
-              </a:solidFill>
-              <a:sym typeface="+mn-ea"/>
-            </a:endParaRPr>
-          </a:p>
-          <a:p>
-            <a:pPr algn="l"/>
-            <a:r>
-              <a:rPr lang="zh-CN" altLang="en-US" sz="1200">
-                <a:solidFill>
-                  <a:schemeClr val="tx1"/>
-                </a:solidFill>
-                <a:sym typeface="+mn-ea"/>
-              </a:rPr>
-              <a:t>        Method add = lst.getClass().getDeclaredMethod("add", Object.class);</a:t>
-            </a:r>
-            <a:endParaRPr lang="zh-CN" altLang="en-US" sz="1200">
-              <a:solidFill>
-                <a:schemeClr val="tx1"/>
-              </a:solidFill>
-              <a:sym typeface="+mn-ea"/>
-            </a:endParaRPr>
-          </a:p>
-          <a:p>
-            <a:pPr algn="l"/>
-            <a:r>
-              <a:rPr lang="zh-CN" altLang="en-US" sz="1200">
-                <a:solidFill>
-                  <a:schemeClr val="tx1"/>
-                </a:solidFill>
-                <a:sym typeface="+mn-ea"/>
-              </a:rPr>
-              <a:t>        add.invoke(lst, 'a');</a:t>
-            </a:r>
-            <a:endParaRPr lang="zh-CN" altLang="en-US" sz="1200">
-              <a:solidFill>
-                <a:schemeClr val="tx1"/>
-              </a:solidFill>
-              <a:sym typeface="+mn-ea"/>
-            </a:endParaRPr>
-          </a:p>
-          <a:p>
-            <a:pPr algn="l"/>
-            <a:r>
-              <a:rPr lang="zh-CN" altLang="en-US" sz="1200">
-                <a:solidFill>
-                  <a:schemeClr val="tx1"/>
-                </a:solidFill>
-                <a:sym typeface="+mn-ea"/>
-              </a:rPr>
-              <a:t>        </a:t>
-            </a:r>
-            <a:endParaRPr lang="zh-CN" altLang="en-US" sz="1200">
-              <a:solidFill>
-                <a:schemeClr val="tx1"/>
-              </a:solidFill>
-              <a:sym typeface="+mn-ea"/>
-            </a:endParaRPr>
-          </a:p>
-          <a:p>
-            <a:pPr algn="l"/>
-            <a:r>
-              <a:rPr lang="zh-CN" altLang="en-US" sz="1200">
-                <a:solidFill>
-                  <a:schemeClr val="tx1"/>
-                </a:solidFill>
-                <a:sym typeface="+mn-ea"/>
-              </a:rPr>
-              <a:t>        System.out.println(lst);</a:t>
-            </a:r>
-            <a:endParaRPr lang="zh-CN" altLang="en-US" sz="1200">
-              <a:solidFill>
-                <a:schemeClr val="tx1"/>
-              </a:solidFill>
-              <a:sym typeface="+mn-ea"/>
-            </a:endParaRPr>
-          </a:p>
-          <a:p>
-            <a:pPr algn="l"/>
-            <a:r>
-              <a:rPr lang="zh-CN" altLang="en-US" sz="1200">
-                <a:solidFill>
-                  <a:schemeClr val="tx1"/>
-                </a:solidFill>
-                <a:sym typeface="+mn-ea"/>
-              </a:rPr>
-              <a:t>    }</a:t>
-            </a:r>
-            <a:endParaRPr lang="zh-CN" altLang="en-US" sz="1200">
-              <a:solidFill>
-                <a:schemeClr val="tx1"/>
-              </a:solidFill>
-              <a:sym typeface="+mn-ea"/>
+            <a:endParaRPr lang="zh-CN" altLang="en-US" sz="1200">
+              <a:solidFill>
+                <a:schemeClr val="tx1"/>
+              </a:solidFill>
             </a:endParaRPr>
           </a:p>
         </p:txBody>
       </p:sp>
       <p:sp>
         <p:nvSpPr>
-          <p:cNvPr id="2" name="矩形 1"/>
+          <p:cNvPr id="9" name="矩形 8"/>
           <p:cNvSpPr/>
           <p:nvPr/>
         </p:nvSpPr>
         <p:spPr>
           <a:xfrm>
-            <a:off x="8589010" y="3088005"/>
-            <a:ext cx="3105150" cy="456565"/>
+            <a:off x="9114790" y="5925820"/>
+            <a:ext cx="979805" cy="229870"/>
           </a:xfrm>
           <a:prstGeom prst="rect">
             <a:avLst/>
@@ -53133,16 +53233,69 @@
           <a:p>
             <a:pPr algn="ctr"/>
             <a:r>
-              <a:rPr lang="zh-CN"/>
-              <a:t>集合特性：建议存相同类型</a:t>
-            </a:r>
-            <a:endParaRPr lang="zh-CN"/>
+              <a:rPr lang="zh-CN" altLang="en-US" sz="1200"/>
+              <a:t>容器工具类</a:t>
+            </a:r>
+            <a:endParaRPr lang="zh-CN" altLang="en-US" sz="1200"/>
+          </a:p>
+        </p:txBody>
+      </p:sp>
+      <p:sp>
+        <p:nvSpPr>
+          <p:cNvPr id="5" name="矩形 4"/>
+          <p:cNvSpPr/>
+          <p:nvPr/>
+        </p:nvSpPr>
+        <p:spPr>
+          <a:xfrm>
+            <a:off x="10700385" y="5344795"/>
+            <a:ext cx="1180465" cy="229870"/>
+          </a:xfrm>
+          <a:prstGeom prst="rect">
+            <a:avLst/>
+          </a:prstGeom>
+          <a:solidFill>
+            <a:srgbClr val="F59909"/>
+          </a:solidFill>
+          <a:ln>
+            <a:solidFill>
+              <a:schemeClr val="bg1"/>
+            </a:solidFill>
+          </a:ln>
+        </p:spPr>
+        <p:style>
+          <a:lnRef idx="2">
+            <a:schemeClr val="accent1">
+              <a:shade val="50000"/>
+            </a:schemeClr>
+          </a:lnRef>
+          <a:fillRef idx="1">
+            <a:schemeClr val="accent1"/>
+          </a:fillRef>
+          <a:effectRef idx="0">
+            <a:schemeClr val="accent1"/>
+          </a:effectRef>
+          <a:fontRef idx="minor">
+            <a:schemeClr val="lt1"/>
+          </a:fontRef>
+        </p:style>
+        <p:txBody>
+          <a:bodyPr rtlCol="0" anchor="ctr"/>
+          <a:p>
+            <a:pPr algn="ctr"/>
+            <a:r>
+              <a:rPr lang="zh-CN" altLang="en-US" sz="1200">
+                <a:sym typeface="+mn-ea"/>
+              </a:rPr>
+              <a:t>对象排序接口</a:t>
+            </a:r>
+            <a:endParaRPr lang="zh-CN" altLang="en-US" sz="1200"/>
           </a:p>
         </p:txBody>
       </p:sp>
     </p:spTree>
     <p:custDataLst>
-      <p:tags r:id="rId2"/>
+      <p:tags r:id="rId3"/>
     </p:custDataLst>
   </p:cSld>
   <p:clrMapOvr>
@@ -54218,8 +54371,8 @@
         </p:nvSpPr>
         <p:spPr>
           <a:xfrm>
-            <a:off x="9220200" y="1382395"/>
-            <a:ext cx="1765300" cy="366395"/>
+            <a:off x="9110980" y="2247265"/>
+            <a:ext cx="1756410" cy="366395"/>
           </a:xfrm>
           <a:prstGeom prst="rect">
             <a:avLst/>
@@ -54542,6 +54695,84 @@
               <a:ea typeface="+mj-ea"/>
               <a:cs typeface="+mj-ea"/>
               <a:sym typeface="+mn-ea"/>
+            </a:endParaRPr>
+          </a:p>
+        </p:txBody>
+      </p:sp>
+      <p:sp>
+        <p:nvSpPr>
+          <p:cNvPr id="2" name="云形标注 1"/>
+          <p:cNvSpPr/>
+          <p:nvPr/>
+        </p:nvSpPr>
+        <p:spPr>
+          <a:xfrm>
+            <a:off x="9711055" y="367665"/>
+            <a:ext cx="2258695" cy="1302385"/>
+          </a:xfrm>
+          <a:prstGeom prst="cloudCallout">
+            <a:avLst>
+              <a:gd name="adj1" fmla="val -77298"/>
+              <a:gd name="adj2" fmla="val 47025"/>
+            </a:avLst>
+          </a:prstGeom>
+          <a:solidFill>
+            <a:srgbClr val="DBEEDF"/>
+          </a:solidFill>
+          <a:ln>
+            <a:solidFill>
+              <a:srgbClr val="DBEEDF"/>
+            </a:solidFill>
+          </a:ln>
+        </p:spPr>
+        <p:style>
+          <a:lnRef idx="2">
+            <a:schemeClr val="accent1">
+              <a:shade val="50000"/>
+            </a:schemeClr>
+          </a:lnRef>
+          <a:fillRef idx="1">
+            <a:schemeClr val="accent1"/>
+          </a:fillRef>
+          <a:effectRef idx="0">
+            <a:schemeClr val="accent1"/>
+          </a:effectRef>
+          <a:fontRef idx="minor">
+            <a:schemeClr val="lt1"/>
+          </a:fontRef>
+        </p:style>
+        <p:txBody>
+          <a:bodyPr rtlCol="0" anchor="ctr"/>
+          <a:p>
+            <a:pPr algn="ctr"/>
+            <a:r>
+              <a:rPr lang="zh-CN" altLang="en-US">
+                <a:solidFill>
+                  <a:srgbClr val="F7AF3F"/>
+                </a:solidFill>
+              </a:rPr>
+              <a:t>能力拓展</a:t>
+            </a:r>
+            <a:endParaRPr lang="zh-CN" altLang="en-US">
+              <a:solidFill>
+                <a:srgbClr val="F7AF3F"/>
+              </a:solidFill>
+            </a:endParaRPr>
+          </a:p>
+          <a:p>
+            <a:pPr algn="ctr"/>
+            <a:r>
+              <a:rPr lang="zh-CN" altLang="en-US">
+                <a:solidFill>
+                  <a:srgbClr val="F7AF3F"/>
+                </a:solidFill>
+              </a:rPr>
+              <a:t>（课后自学）</a:t>
+            </a:r>
+            <a:endParaRPr lang="zh-CN" altLang="en-US">
+              <a:solidFill>
+                <a:srgbClr val="F7AF3F"/>
+              </a:solidFill>
             </a:endParaRPr>
           </a:p>
         </p:txBody>
